--- a/my_presentation55.pptx
+++ b/my_presentation55.pptx
@@ -2,7 +2,7 @@
 <file path=ppt/presentation.xml><?xml version="1.0" encoding="utf-8"?>
 <p:presentation xmlns:a="http://schemas.openxmlformats.org/drawingml/2006/main" xmlns:r="http://schemas.openxmlformats.org/officeDocument/2006/relationships" xmlns:p="http://schemas.openxmlformats.org/presentationml/2006/main" saveSubsetFonts="1">
   <p:sldMasterIdLst>
-    <p:sldMasterId id="2147483725" r:id="rId1"/>
+    <p:sldMasterId id="2147483690" r:id="rId1"/>
   </p:sldMasterIdLst>
   <p:sldIdLst>
     <p:sldId id="257" r:id="rId7"/>
@@ -10,6 +10,12 @@
     <p:sldId id="259" r:id="rId9"/>
     <p:sldId id="260" r:id="rId10"/>
     <p:sldId id="261" r:id="rId11"/>
+    <p:sldId id="262" r:id="rId12"/>
+    <p:sldId id="263" r:id="rId13"/>
+    <p:sldId id="264" r:id="rId14"/>
+    <p:sldId id="265" r:id="rId15"/>
+    <p:sldId id="266" r:id="rId16"/>
+    <p:sldId id="267" r:id="rId17"/>
   </p:sldIdLst>
   <p:sldSz cx="12192000" cy="6858000"/>
   <p:notesSz cx="6858000" cy="9144000"/>
@@ -108,11 +114,6 @@
       </a:defRPr>
     </a:lvl9pPr>
   </p:defaultTextStyle>
-  <p:extLst>
-    <p:ext uri="{EFAFB233-063F-42B5-8137-9DF3F51BA10A}">
-      <p15:sldGuideLst xmlns:p15="http://schemas.microsoft.com/office/powerpoint/2012/main"/>
-    </p:ext>
-  </p:extLst>
 </p:presentation>
 </file>
 
@@ -141,60 +142,133 @@
         </p:nvGrpSpPr>
         <p:grpSpPr>
           <a:xfrm>
-            <a:off x="-16934" y="0"/>
-            <a:ext cx="12231160" cy="6856214"/>
-            <a:chOff x="-16934" y="0"/>
-            <a:chExt cx="12231160" cy="6856214"/>
+            <a:off x="0" y="-8467"/>
+            <a:ext cx="12192000" cy="6866467"/>
+            <a:chOff x="0" y="-8467"/>
+            <a:chExt cx="12192000" cy="6866467"/>
           </a:xfrm>
         </p:grpSpPr>
-        <p:pic>
-          <p:nvPicPr>
-            <p:cNvPr id="16" name="Picture 15" descr="HD-PanelTitleR1.png"/>
-            <p:cNvPicPr>
-              <a:picLocks noChangeAspect="1"/>
-            </p:cNvPicPr>
+        <p:cxnSp>
+          <p:nvCxnSpPr>
+            <p:cNvPr id="32" name="Straight Connector 31"/>
+            <p:cNvCxnSpPr/>
             <p:nvPr/>
-          </p:nvPicPr>
-          <p:blipFill>
-            <a:blip r:embed="rId2">
-              <a:extLst>
-                <a:ext uri="{28A0092B-C50C-407E-A947-70E740481C1C}">
-                  <a14:useLocalDpi xmlns:a14="http://schemas.microsoft.com/office/drawing/2010/main" val="0"/>
-                </a:ext>
-              </a:extLst>
-            </a:blip>
-            <a:stretch>
-              <a:fillRect/>
-            </a:stretch>
-          </p:blipFill>
+          </p:nvCxnSpPr>
           <p:spPr>
             <a:xfrm>
-              <a:off x="0" y="0"/>
-              <a:ext cx="12188825" cy="6856214"/>
+              <a:off x="9371012" y="0"/>
+              <a:ext cx="1219200" cy="6858000"/>
             </a:xfrm>
-            <a:prstGeom prst="rect">
+            <a:prstGeom prst="line">
               <a:avLst/>
             </a:prstGeom>
+            <a:ln w="9525">
+              <a:solidFill>
+                <a:schemeClr val="bg1">
+                  <a:lumMod val="75000"/>
+                </a:schemeClr>
+              </a:solidFill>
+            </a:ln>
           </p:spPr>
-        </p:pic>
+          <p:style>
+            <a:lnRef idx="2">
+              <a:schemeClr val="accent1"/>
+            </a:lnRef>
+            <a:fillRef idx="0">
+              <a:schemeClr val="accent1"/>
+            </a:fillRef>
+            <a:effectRef idx="1">
+              <a:schemeClr val="accent1"/>
+            </a:effectRef>
+            <a:fontRef idx="minor">
+              <a:schemeClr val="tx1"/>
+            </a:fontRef>
+          </p:style>
+        </p:cxnSp>
+        <p:cxnSp>
+          <p:nvCxnSpPr>
+            <p:cNvPr id="21" name="Straight Connector 20"/>
+            <p:cNvCxnSpPr/>
+            <p:nvPr/>
+          </p:nvCxnSpPr>
+          <p:spPr>
+            <a:xfrm flipH="1">
+              <a:off x="7425267" y="3681413"/>
+              <a:ext cx="4763558" cy="3176587"/>
+            </a:xfrm>
+            <a:prstGeom prst="line">
+              <a:avLst/>
+            </a:prstGeom>
+            <a:ln w="9525">
+              <a:solidFill>
+                <a:schemeClr val="bg1">
+                  <a:lumMod val="85000"/>
+                </a:schemeClr>
+              </a:solidFill>
+            </a:ln>
+          </p:spPr>
+          <p:style>
+            <a:lnRef idx="2">
+              <a:schemeClr val="accent1"/>
+            </a:lnRef>
+            <a:fillRef idx="0">
+              <a:schemeClr val="accent1"/>
+            </a:fillRef>
+            <a:effectRef idx="1">
+              <a:schemeClr val="accent1"/>
+            </a:effectRef>
+            <a:fontRef idx="minor">
+              <a:schemeClr val="tx1"/>
+            </a:fontRef>
+          </p:style>
+        </p:cxnSp>
         <p:sp>
           <p:nvSpPr>
-            <p:cNvPr id="26" name="Rectangle 25"/>
+            <p:cNvPr id="24" name="Rectangle 23"/>
             <p:cNvSpPr/>
             <p:nvPr/>
           </p:nvSpPr>
           <p:spPr>
             <a:xfrm>
-              <a:off x="2328332" y="1540931"/>
-              <a:ext cx="7543802" cy="3835401"/>
+              <a:off x="9181476" y="-8467"/>
+              <a:ext cx="3007349" cy="6866467"/>
             </a:xfrm>
-            <a:prstGeom prst="rect">
+            <a:custGeom>
               <a:avLst/>
-            </a:prstGeom>
-            <a:noFill/>
-            <a:ln w="15875">
-              <a:miter lim="800000"/>
+              <a:gdLst/>
+              <a:ahLst/>
+              <a:cxnLst/>
+              <a:rect l="l" t="t" r="r" b="b"/>
+              <a:pathLst>
+                <a:path w="3007349" h="6866467">
+                  <a:moveTo>
+                    <a:pt x="2045532" y="0"/>
+                  </a:moveTo>
+                  <a:lnTo>
+                    <a:pt x="3007349" y="0"/>
+                  </a:lnTo>
+                  <a:lnTo>
+                    <a:pt x="3007349" y="6866467"/>
+                  </a:lnTo>
+                  <a:lnTo>
+                    <a:pt x="0" y="6866467"/>
+                  </a:lnTo>
+                  <a:lnTo>
+                    <a:pt x="2045532" y="0"/>
+                  </a:lnTo>
+                  <a:close/>
+                </a:path>
+              </a:pathLst>
+            </a:custGeom>
+            <a:solidFill>
+              <a:schemeClr val="accent1">
+                <a:alpha val="30000"/>
+              </a:schemeClr>
+            </a:solidFill>
+            <a:ln>
+              <a:noFill/>
             </a:ln>
+            <a:effectLst/>
           </p:spPr>
           <p:style>
             <a:lnRef idx="1">
@@ -211,64 +285,384 @@
             </a:fontRef>
           </p:style>
         </p:sp>
-        <p:pic>
-          <p:nvPicPr>
-            <p:cNvPr id="17" name="Picture 16" descr="HDRibbonTitle-UniformTrim.png"/>
-            <p:cNvPicPr>
-              <a:picLocks noChangeAspect="1"/>
-            </p:cNvPicPr>
+        <p:sp>
+          <p:nvSpPr>
+            <p:cNvPr id="26" name="Rectangle 25"/>
+            <p:cNvSpPr/>
             <p:nvPr/>
-          </p:nvPicPr>
-          <p:blipFill rotWithShape="1">
-            <a:blip r:embed="rId3">
-              <a:extLst>
-                <a:ext uri="{28A0092B-C50C-407E-A947-70E740481C1C}">
-                  <a14:useLocalDpi xmlns:a14="http://schemas.microsoft.com/office/drawing/2010/main" val="0"/>
-                </a:ext>
-              </a:extLst>
-            </a:blip>
-            <a:srcRect/>
-            <a:stretch/>
-          </p:blipFill>
+          </p:nvSpPr>
           <p:spPr>
             <a:xfrm>
-              <a:off x="-16934" y="3147609"/>
-              <a:ext cx="2478024" cy="612648"/>
+              <a:off x="9603442" y="-8467"/>
+              <a:ext cx="2588558" cy="6866467"/>
             </a:xfrm>
-            <a:prstGeom prst="rect">
+            <a:custGeom>
               <a:avLst/>
-            </a:prstGeom>
+              <a:gdLst/>
+              <a:ahLst/>
+              <a:cxnLst/>
+              <a:rect l="l" t="t" r="r" b="b"/>
+              <a:pathLst>
+                <a:path w="2573311" h="6866467">
+                  <a:moveTo>
+                    <a:pt x="0" y="0"/>
+                  </a:moveTo>
+                  <a:lnTo>
+                    <a:pt x="2573311" y="0"/>
+                  </a:lnTo>
+                  <a:lnTo>
+                    <a:pt x="2573311" y="6866467"/>
+                  </a:lnTo>
+                  <a:lnTo>
+                    <a:pt x="1202336" y="6866467"/>
+                  </a:lnTo>
+                  <a:lnTo>
+                    <a:pt x="0" y="0"/>
+                  </a:lnTo>
+                  <a:close/>
+                </a:path>
+              </a:pathLst>
+            </a:custGeom>
+            <a:solidFill>
+              <a:schemeClr val="accent1">
+                <a:alpha val="20000"/>
+              </a:schemeClr>
+            </a:solidFill>
+            <a:ln>
+              <a:noFill/>
+            </a:ln>
+            <a:effectLst/>
           </p:spPr>
-        </p:pic>
-        <p:pic>
-          <p:nvPicPr>
-            <p:cNvPr id="20" name="Picture 19" descr="HDRibbonTitle-UniformTrim.png"/>
-            <p:cNvPicPr>
-              <a:picLocks noChangeAspect="1"/>
-            </p:cNvPicPr>
+          <p:style>
+            <a:lnRef idx="1">
+              <a:schemeClr val="accent1"/>
+            </a:lnRef>
+            <a:fillRef idx="3">
+              <a:schemeClr val="accent1"/>
+            </a:fillRef>
+            <a:effectRef idx="2">
+              <a:schemeClr val="accent1"/>
+            </a:effectRef>
+            <a:fontRef idx="minor">
+              <a:schemeClr val="lt1"/>
+            </a:fontRef>
+          </p:style>
+        </p:sp>
+        <p:sp>
+          <p:nvSpPr>
+            <p:cNvPr id="27" name="Isosceles Triangle 26"/>
+            <p:cNvSpPr/>
             <p:nvPr/>
-          </p:nvPicPr>
-          <p:blipFill rotWithShape="1">
-            <a:blip r:embed="rId3">
-              <a:extLst>
-                <a:ext uri="{28A0092B-C50C-407E-A947-70E740481C1C}">
-                  <a14:useLocalDpi xmlns:a14="http://schemas.microsoft.com/office/drawing/2010/main" val="0"/>
-                </a:ext>
-              </a:extLst>
-            </a:blip>
-            <a:srcRect/>
-            <a:stretch/>
-          </p:blipFill>
+          </p:nvSpPr>
           <p:spPr>
             <a:xfrm>
-              <a:off x="9736202" y="3147609"/>
-              <a:ext cx="2478024" cy="612648"/>
+              <a:off x="8932333" y="3048000"/>
+              <a:ext cx="3259667" cy="3810000"/>
             </a:xfrm>
-            <a:prstGeom prst="rect">
+            <a:prstGeom prst="triangle">
+              <a:avLst>
+                <a:gd name="adj" fmla="val 100000"/>
+              </a:avLst>
+            </a:prstGeom>
+            <a:solidFill>
+              <a:schemeClr val="accent2">
+                <a:alpha val="72000"/>
+              </a:schemeClr>
+            </a:solidFill>
+            <a:ln>
+              <a:noFill/>
+            </a:ln>
+            <a:effectLst/>
+          </p:spPr>
+          <p:style>
+            <a:lnRef idx="1">
+              <a:schemeClr val="accent1"/>
+            </a:lnRef>
+            <a:fillRef idx="3">
+              <a:schemeClr val="accent1"/>
+            </a:fillRef>
+            <a:effectRef idx="2">
+              <a:schemeClr val="accent1"/>
+            </a:effectRef>
+            <a:fontRef idx="minor">
+              <a:schemeClr val="lt1"/>
+            </a:fontRef>
+          </p:style>
+        </p:sp>
+        <p:sp>
+          <p:nvSpPr>
+            <p:cNvPr id="28" name="Rectangle 27"/>
+            <p:cNvSpPr/>
+            <p:nvPr/>
+          </p:nvSpPr>
+          <p:spPr>
+            <a:xfrm>
+              <a:off x="9334500" y="-8467"/>
+              <a:ext cx="2854326" cy="6866467"/>
+            </a:xfrm>
+            <a:custGeom>
               <a:avLst/>
+              <a:gdLst/>
+              <a:ahLst/>
+              <a:cxnLst/>
+              <a:rect l="l" t="t" r="r" b="b"/>
+              <a:pathLst>
+                <a:path w="2858013" h="6866467">
+                  <a:moveTo>
+                    <a:pt x="0" y="0"/>
+                  </a:moveTo>
+                  <a:lnTo>
+                    <a:pt x="2858013" y="0"/>
+                  </a:lnTo>
+                  <a:lnTo>
+                    <a:pt x="2858013" y="6866467"/>
+                  </a:lnTo>
+                  <a:lnTo>
+                    <a:pt x="2473942" y="6866467"/>
+                  </a:lnTo>
+                  <a:lnTo>
+                    <a:pt x="0" y="0"/>
+                  </a:lnTo>
+                  <a:close/>
+                </a:path>
+              </a:pathLst>
+            </a:custGeom>
+            <a:solidFill>
+              <a:schemeClr val="accent2">
+                <a:lumMod val="75000"/>
+                <a:alpha val="70000"/>
+              </a:schemeClr>
+            </a:solidFill>
+            <a:ln>
+              <a:noFill/>
+            </a:ln>
+            <a:effectLst/>
+          </p:spPr>
+          <p:style>
+            <a:lnRef idx="1">
+              <a:schemeClr val="accent1"/>
+            </a:lnRef>
+            <a:fillRef idx="3">
+              <a:schemeClr val="accent1"/>
+            </a:fillRef>
+            <a:effectRef idx="2">
+              <a:schemeClr val="accent1"/>
+            </a:effectRef>
+            <a:fontRef idx="minor">
+              <a:schemeClr val="lt1"/>
+            </a:fontRef>
+          </p:style>
+        </p:sp>
+        <p:sp>
+          <p:nvSpPr>
+            <p:cNvPr id="29" name="Rectangle 28"/>
+            <p:cNvSpPr/>
+            <p:nvPr/>
+          </p:nvSpPr>
+          <p:spPr>
+            <a:xfrm>
+              <a:off x="10898730" y="-8467"/>
+              <a:ext cx="1290094" cy="6866467"/>
+            </a:xfrm>
+            <a:custGeom>
+              <a:avLst/>
+              <a:gdLst/>
+              <a:ahLst/>
+              <a:cxnLst/>
+              <a:rect l="l" t="t" r="r" b="b"/>
+              <a:pathLst>
+                <a:path w="1290094" h="6858000">
+                  <a:moveTo>
+                    <a:pt x="1019735" y="0"/>
+                  </a:moveTo>
+                  <a:lnTo>
+                    <a:pt x="1290094" y="0"/>
+                  </a:lnTo>
+                  <a:lnTo>
+                    <a:pt x="1290094" y="6858000"/>
+                  </a:lnTo>
+                  <a:lnTo>
+                    <a:pt x="0" y="6858000"/>
+                  </a:lnTo>
+                  <a:lnTo>
+                    <a:pt x="1019735" y="0"/>
+                  </a:lnTo>
+                  <a:close/>
+                </a:path>
+              </a:pathLst>
+            </a:custGeom>
+            <a:solidFill>
+              <a:schemeClr val="accent1">
+                <a:lumMod val="60000"/>
+                <a:lumOff val="40000"/>
+                <a:alpha val="70000"/>
+              </a:schemeClr>
+            </a:solidFill>
+            <a:ln>
+              <a:noFill/>
+            </a:ln>
+            <a:effectLst/>
+          </p:spPr>
+          <p:style>
+            <a:lnRef idx="1">
+              <a:schemeClr val="accent1"/>
+            </a:lnRef>
+            <a:fillRef idx="3">
+              <a:schemeClr val="accent1"/>
+            </a:fillRef>
+            <a:effectRef idx="2">
+              <a:schemeClr val="accent1"/>
+            </a:effectRef>
+            <a:fontRef idx="minor">
+              <a:schemeClr val="lt1"/>
+            </a:fontRef>
+          </p:style>
+        </p:sp>
+        <p:sp>
+          <p:nvSpPr>
+            <p:cNvPr id="30" name="Rectangle 29"/>
+            <p:cNvSpPr/>
+            <p:nvPr/>
+          </p:nvSpPr>
+          <p:spPr>
+            <a:xfrm>
+              <a:off x="10938999" y="-8467"/>
+              <a:ext cx="1249825" cy="6866467"/>
+            </a:xfrm>
+            <a:custGeom>
+              <a:avLst/>
+              <a:gdLst/>
+              <a:ahLst/>
+              <a:cxnLst/>
+              <a:rect l="l" t="t" r="r" b="b"/>
+              <a:pathLst>
+                <a:path w="1249825" h="6858000">
+                  <a:moveTo>
+                    <a:pt x="0" y="0"/>
+                  </a:moveTo>
+                  <a:lnTo>
+                    <a:pt x="1249825" y="0"/>
+                  </a:lnTo>
+                  <a:lnTo>
+                    <a:pt x="1249825" y="6858000"/>
+                  </a:lnTo>
+                  <a:lnTo>
+                    <a:pt x="1109382" y="6858000"/>
+                  </a:lnTo>
+                  <a:lnTo>
+                    <a:pt x="0" y="0"/>
+                  </a:lnTo>
+                  <a:close/>
+                </a:path>
+              </a:pathLst>
+            </a:custGeom>
+            <a:solidFill>
+              <a:schemeClr val="accent1">
+                <a:alpha val="65000"/>
+              </a:schemeClr>
+            </a:solidFill>
+            <a:ln>
+              <a:noFill/>
+            </a:ln>
+            <a:effectLst/>
+          </p:spPr>
+          <p:style>
+            <a:lnRef idx="1">
+              <a:schemeClr val="accent1"/>
+            </a:lnRef>
+            <a:fillRef idx="3">
+              <a:schemeClr val="accent1"/>
+            </a:fillRef>
+            <a:effectRef idx="2">
+              <a:schemeClr val="accent1"/>
+            </a:effectRef>
+            <a:fontRef idx="minor">
+              <a:schemeClr val="lt1"/>
+            </a:fontRef>
+          </p:style>
+        </p:sp>
+        <p:sp>
+          <p:nvSpPr>
+            <p:cNvPr id="31" name="Isosceles Triangle 30"/>
+            <p:cNvSpPr/>
+            <p:nvPr/>
+          </p:nvSpPr>
+          <p:spPr>
+            <a:xfrm>
+              <a:off x="10371666" y="3589867"/>
+              <a:ext cx="1817159" cy="3268133"/>
+            </a:xfrm>
+            <a:prstGeom prst="triangle">
+              <a:avLst>
+                <a:gd name="adj" fmla="val 100000"/>
+              </a:avLst>
             </a:prstGeom>
+            <a:solidFill>
+              <a:schemeClr val="accent1">
+                <a:alpha val="80000"/>
+              </a:schemeClr>
+            </a:solidFill>
+            <a:ln>
+              <a:noFill/>
+            </a:ln>
+            <a:effectLst/>
           </p:spPr>
-        </p:pic>
+          <p:style>
+            <a:lnRef idx="1">
+              <a:schemeClr val="accent1"/>
+            </a:lnRef>
+            <a:fillRef idx="3">
+              <a:schemeClr val="accent1"/>
+            </a:fillRef>
+            <a:effectRef idx="2">
+              <a:schemeClr val="accent1"/>
+            </a:effectRef>
+            <a:fontRef idx="minor">
+              <a:schemeClr val="lt1"/>
+            </a:fontRef>
+          </p:style>
+        </p:sp>
+        <p:sp>
+          <p:nvSpPr>
+            <p:cNvPr id="19" name="Isosceles Triangle 18"/>
+            <p:cNvSpPr/>
+            <p:nvPr/>
+          </p:nvSpPr>
+          <p:spPr>
+            <a:xfrm rot="10800000">
+              <a:off x="0" y="0"/>
+              <a:ext cx="842596" cy="5666154"/>
+            </a:xfrm>
+            <a:prstGeom prst="triangle">
+              <a:avLst>
+                <a:gd name="adj" fmla="val 100000"/>
+              </a:avLst>
+            </a:prstGeom>
+            <a:solidFill>
+              <a:schemeClr val="accent1">
+                <a:alpha val="85000"/>
+              </a:schemeClr>
+            </a:solidFill>
+            <a:ln>
+              <a:noFill/>
+            </a:ln>
+            <a:effectLst/>
+          </p:spPr>
+          <p:style>
+            <a:lnRef idx="1">
+              <a:schemeClr val="accent1"/>
+            </a:lnRef>
+            <a:fillRef idx="3">
+              <a:schemeClr val="accent1"/>
+            </a:fillRef>
+            <a:effectRef idx="2">
+              <a:schemeClr val="accent1"/>
+            </a:effectRef>
+            <a:fontRef idx="minor">
+              <a:schemeClr val="lt1"/>
+            </a:fontRef>
+          </p:style>
+        </p:sp>
       </p:grpSp>
       <p:sp>
         <p:nvSpPr>
@@ -282,8 +676,8 @@
         </p:nvSpPr>
         <p:spPr>
           <a:xfrm>
-            <a:off x="2692398" y="1871131"/>
-            <a:ext cx="6815669" cy="1515533"/>
+            <a:off x="1507067" y="2404534"/>
+            <a:ext cx="7766936" cy="1646302"/>
           </a:xfrm>
         </p:spPr>
         <p:txBody>
@@ -291,9 +685,11 @@
             <a:noAutofit/>
           </a:bodyPr>
           <a:lstStyle>
-            <a:lvl1pPr algn="ctr">
+            <a:lvl1pPr algn="r">
               <a:defRPr sz="5400">
-                <a:effectLst/>
+                <a:solidFill>
+                  <a:schemeClr val="accent1"/>
+                </a:solidFill>
               </a:defRPr>
             </a:lvl1pPr>
           </a:lstStyle>
@@ -318,20 +714,21 @@
         </p:nvSpPr>
         <p:spPr>
           <a:xfrm>
-            <a:off x="2692398" y="3657597"/>
-            <a:ext cx="6815669" cy="1320802"/>
+            <a:off x="1507067" y="4050833"/>
+            <a:ext cx="7766936" cy="1096899"/>
           </a:xfrm>
         </p:spPr>
         <p:txBody>
-          <a:bodyPr anchor="t">
-            <a:normAutofit/>
-          </a:bodyPr>
+          <a:bodyPr anchor="t"/>
           <a:lstStyle>
-            <a:lvl1pPr marL="0" indent="0" algn="ctr">
-              <a:buNone/>
-              <a:defRPr sz="2100">
-                <a:solidFill>
-                  <a:schemeClr val="tx1"/>
+            <a:lvl1pPr marL="0" indent="0" algn="r">
+              <a:buNone/>
+              <a:defRPr>
+                <a:solidFill>
+                  <a:schemeClr val="tx1">
+                    <a:lumMod val="50000"/>
+                    <a:lumOff val="50000"/>
+                  </a:schemeClr>
                 </a:solidFill>
               </a:defRPr>
             </a:lvl1pPr>
@@ -435,12 +832,7 @@
             <p:ph type="dt" sz="half" idx="10"/>
           </p:nvPr>
         </p:nvSpPr>
-        <p:spPr>
-          <a:xfrm>
-            <a:off x="7983232" y="5037663"/>
-            <a:ext cx="897467" cy="279400"/>
-          </a:xfrm>
-        </p:spPr>
+        <p:spPr/>
         <p:txBody>
           <a:bodyPr/>
           <a:lstStyle/>
@@ -463,12 +855,7 @@
             <p:ph type="ftr" sz="quarter" idx="11"/>
           </p:nvPr>
         </p:nvSpPr>
-        <p:spPr>
-          <a:xfrm>
-            <a:off x="2692397" y="5037663"/>
-            <a:ext cx="5214635" cy="279400"/>
-          </a:xfrm>
-        </p:spPr>
+        <p:spPr/>
         <p:txBody>
           <a:bodyPr/>
           <a:lstStyle/>
@@ -487,12 +874,7 @@
             <p:ph type="sldNum" sz="quarter" idx="12"/>
           </p:nvPr>
         </p:nvSpPr>
-        <p:spPr>
-          <a:xfrm>
-            <a:off x="8956900" y="5037663"/>
-            <a:ext cx="551167" cy="279400"/>
-          </a:xfrm>
-        </p:spPr>
+        <p:spPr/>
         <p:txBody>
           <a:bodyPr/>
           <a:lstStyle/>
@@ -505,40 +887,10 @@
           </a:p>
         </p:txBody>
       </p:sp>
-      <p:cxnSp>
-        <p:nvCxnSpPr>
-          <p:cNvPr id="15" name="Straight Connector 14"/>
-          <p:cNvCxnSpPr/>
-          <p:nvPr/>
-        </p:nvCxnSpPr>
-        <p:spPr>
-          <a:xfrm>
-            <a:off x="2692399" y="3522131"/>
-            <a:ext cx="6815668" cy="0"/>
-          </a:xfrm>
-          <a:prstGeom prst="line">
-            <a:avLst/>
-          </a:prstGeom>
-        </p:spPr>
-        <p:style>
-          <a:lnRef idx="2">
-            <a:schemeClr val="accent1"/>
-          </a:lnRef>
-          <a:fillRef idx="0">
-            <a:schemeClr val="accent1"/>
-          </a:fillRef>
-          <a:effectRef idx="1">
-            <a:schemeClr val="accent1"/>
-          </a:effectRef>
-          <a:fontRef idx="minor">
-            <a:schemeClr val="tx1"/>
-          </a:fontRef>
-        </p:style>
-      </p:cxnSp>
     </p:spTree>
     <p:extLst>
       <p:ext uri="{BB962C8B-B14F-4D97-AF65-F5344CB8AC3E}">
-        <p14:creationId xmlns:p14="http://schemas.microsoft.com/office/powerpoint/2010/main" val="2291004228"/>
+        <p14:creationId xmlns:p14="http://schemas.microsoft.com/office/powerpoint/2010/main" val="1230634806"/>
       </p:ext>
     </p:extLst>
   </p:cSld>
@@ -549,290 +901,6 @@
 </file>
 
 <file path=ppt/slideLayouts/slideLayout10.xml><?xml version="1.0" encoding="utf-8"?>
-<p:sldLayout xmlns:a="http://schemas.openxmlformats.org/drawingml/2006/main" xmlns:r="http://schemas.openxmlformats.org/officeDocument/2006/relationships" xmlns:p="http://schemas.openxmlformats.org/presentationml/2006/main" preserve="1">
-  <p:cSld name="Panoramic Picture with Caption">
-    <p:spTree>
-      <p:nvGrpSpPr>
-        <p:cNvPr id="1" name=""/>
-        <p:cNvGrpSpPr/>
-        <p:nvPr/>
-      </p:nvGrpSpPr>
-      <p:grpSpPr>
-        <a:xfrm>
-          <a:off x="0" y="0"/>
-          <a:ext cx="0" cy="0"/>
-          <a:chOff x="0" y="0"/>
-          <a:chExt cx="0" cy="0"/>
-        </a:xfrm>
-      </p:grpSpPr>
-      <p:sp>
-        <p:nvSpPr>
-          <p:cNvPr id="2" name="Title 1"/>
-          <p:cNvSpPr>
-            <a:spLocks noGrp="1"/>
-          </p:cNvSpPr>
-          <p:nvPr>
-            <p:ph type="title"/>
-          </p:nvPr>
-        </p:nvSpPr>
-        <p:spPr>
-          <a:xfrm>
-            <a:off x="1295401" y="4815415"/>
-            <a:ext cx="9609666" cy="566738"/>
-          </a:xfrm>
-        </p:spPr>
-        <p:txBody>
-          <a:bodyPr anchor="b">
-            <a:normAutofit/>
-          </a:bodyPr>
-          <a:lstStyle>
-            <a:lvl1pPr algn="ctr">
-              <a:defRPr sz="2400" b="0"/>
-            </a:lvl1pPr>
-          </a:lstStyle>
-          <a:p>
-            <a:r>
-              <a:rPr lang="en-US"/>
-              <a:t>Click to edit Master title style</a:t>
-            </a:r>
-            <a:endParaRPr lang="en-US" dirty="0"/>
-          </a:p>
-        </p:txBody>
-      </p:sp>
-      <p:sp>
-        <p:nvSpPr>
-          <p:cNvPr id="3" name="Picture Placeholder 2"/>
-          <p:cNvSpPr>
-            <a:spLocks noGrp="1" noChangeAspect="1"/>
-          </p:cNvSpPr>
-          <p:nvPr>
-            <p:ph type="pic" idx="1"/>
-          </p:nvPr>
-        </p:nvSpPr>
-        <p:spPr>
-          <a:xfrm>
-            <a:off x="1041427" y="1041399"/>
-            <a:ext cx="10105972" cy="3335869"/>
-          </a:xfrm>
-          <a:prstGeom prst="roundRect">
-            <a:avLst>
-              <a:gd name="adj" fmla="val 0"/>
-            </a:avLst>
-          </a:prstGeom>
-          <a:ln w="57150" cmpd="thickThin">
-            <a:solidFill>
-              <a:schemeClr val="tx1">
-                <a:lumMod val="50000"/>
-                <a:lumOff val="50000"/>
-              </a:schemeClr>
-            </a:solidFill>
-            <a:miter lim="800000"/>
-          </a:ln>
-          <a:effectLst>
-            <a:innerShdw blurRad="57150" dist="38100" dir="14460000">
-              <a:srgbClr val="000000">
-                <a:alpha val="70000"/>
-              </a:srgbClr>
-            </a:innerShdw>
-          </a:effectLst>
-        </p:spPr>
-        <p:txBody>
-          <a:bodyPr anchor="t">
-            <a:normAutofit/>
-          </a:bodyPr>
-          <a:lstStyle>
-            <a:lvl1pPr marL="0" indent="0" algn="ctr">
-              <a:buNone/>
-              <a:defRPr sz="1600"/>
-            </a:lvl1pPr>
-            <a:lvl2pPr marL="457200" indent="0">
-              <a:buNone/>
-              <a:defRPr sz="1600"/>
-            </a:lvl2pPr>
-            <a:lvl3pPr marL="914400" indent="0">
-              <a:buNone/>
-              <a:defRPr sz="1600"/>
-            </a:lvl3pPr>
-            <a:lvl4pPr marL="1371600" indent="0">
-              <a:buNone/>
-              <a:defRPr sz="1600"/>
-            </a:lvl4pPr>
-            <a:lvl5pPr marL="1828800" indent="0">
-              <a:buNone/>
-              <a:defRPr sz="1600"/>
-            </a:lvl5pPr>
-            <a:lvl6pPr marL="2286000" indent="0">
-              <a:buNone/>
-              <a:defRPr sz="1600"/>
-            </a:lvl6pPr>
-            <a:lvl7pPr marL="2743200" indent="0">
-              <a:buNone/>
-              <a:defRPr sz="1600"/>
-            </a:lvl7pPr>
-            <a:lvl8pPr marL="3200400" indent="0">
-              <a:buNone/>
-              <a:defRPr sz="1600"/>
-            </a:lvl8pPr>
-            <a:lvl9pPr marL="3657600" indent="0">
-              <a:buNone/>
-              <a:defRPr sz="1600"/>
-            </a:lvl9pPr>
-          </a:lstStyle>
-          <a:p>
-            <a:r>
-              <a:rPr lang="en-US"/>
-              <a:t>Click icon to add picture</a:t>
-            </a:r>
-            <a:endParaRPr lang="en-US" dirty="0"/>
-          </a:p>
-        </p:txBody>
-      </p:sp>
-      <p:sp>
-        <p:nvSpPr>
-          <p:cNvPr id="4" name="Text Placeholder 3"/>
-          <p:cNvSpPr>
-            <a:spLocks noGrp="1"/>
-          </p:cNvSpPr>
-          <p:nvPr>
-            <p:ph type="body" sz="half" idx="2"/>
-          </p:nvPr>
-        </p:nvSpPr>
-        <p:spPr>
-          <a:xfrm>
-            <a:off x="1295401" y="5382153"/>
-            <a:ext cx="9609666" cy="493712"/>
-          </a:xfrm>
-        </p:spPr>
-        <p:txBody>
-          <a:bodyPr>
-            <a:normAutofit/>
-          </a:bodyPr>
-          <a:lstStyle>
-            <a:lvl1pPr marL="0" indent="0" algn="ctr">
-              <a:buNone/>
-              <a:defRPr sz="1400"/>
-            </a:lvl1pPr>
-            <a:lvl2pPr marL="457200" indent="0">
-              <a:buNone/>
-              <a:defRPr sz="1200"/>
-            </a:lvl2pPr>
-            <a:lvl3pPr marL="914400" indent="0">
-              <a:buNone/>
-              <a:defRPr sz="1000"/>
-            </a:lvl3pPr>
-            <a:lvl4pPr marL="1371600" indent="0">
-              <a:buNone/>
-              <a:defRPr sz="900"/>
-            </a:lvl4pPr>
-            <a:lvl5pPr marL="1828800" indent="0">
-              <a:buNone/>
-              <a:defRPr sz="900"/>
-            </a:lvl5pPr>
-            <a:lvl6pPr marL="2286000" indent="0">
-              <a:buNone/>
-              <a:defRPr sz="900"/>
-            </a:lvl6pPr>
-            <a:lvl7pPr marL="2743200" indent="0">
-              <a:buNone/>
-              <a:defRPr sz="900"/>
-            </a:lvl7pPr>
-            <a:lvl8pPr marL="3200400" indent="0">
-              <a:buNone/>
-              <a:defRPr sz="900"/>
-            </a:lvl8pPr>
-            <a:lvl9pPr marL="3657600" indent="0">
-              <a:buNone/>
-              <a:defRPr sz="900"/>
-            </a:lvl9pPr>
-          </a:lstStyle>
-          <a:p>
-            <a:pPr lvl="0"/>
-            <a:r>
-              <a:rPr lang="en-US"/>
-              <a:t>Click to edit Master text styles</a:t>
-            </a:r>
-          </a:p>
-        </p:txBody>
-      </p:sp>
-      <p:sp>
-        <p:nvSpPr>
-          <p:cNvPr id="5" name="Date Placeholder 4"/>
-          <p:cNvSpPr>
-            <a:spLocks noGrp="1"/>
-          </p:cNvSpPr>
-          <p:nvPr>
-            <p:ph type="dt" sz="half" idx="10"/>
-          </p:nvPr>
-        </p:nvSpPr>
-        <p:spPr/>
-        <p:txBody>
-          <a:bodyPr/>
-          <a:lstStyle/>
-          <a:p>
-            <a:fld id="{AA69BB30-8325-4345-8DFA-998A30CB2488}" type="datetimeFigureOut">
-              <a:rPr lang="en-US" smtClean="0"/>
-              <a:t>9/9/2025</a:t>
-            </a:fld>
-            <a:endParaRPr lang="en-US"/>
-          </a:p>
-        </p:txBody>
-      </p:sp>
-      <p:sp>
-        <p:nvSpPr>
-          <p:cNvPr id="6" name="Footer Placeholder 5"/>
-          <p:cNvSpPr>
-            <a:spLocks noGrp="1"/>
-          </p:cNvSpPr>
-          <p:nvPr>
-            <p:ph type="ftr" sz="quarter" idx="11"/>
-          </p:nvPr>
-        </p:nvSpPr>
-        <p:spPr/>
-        <p:txBody>
-          <a:bodyPr/>
-          <a:lstStyle/>
-          <a:p>
-            <a:endParaRPr lang="en-US"/>
-          </a:p>
-        </p:txBody>
-      </p:sp>
-      <p:sp>
-        <p:nvSpPr>
-          <p:cNvPr id="7" name="Slide Number Placeholder 6"/>
-          <p:cNvSpPr>
-            <a:spLocks noGrp="1"/>
-          </p:cNvSpPr>
-          <p:nvPr>
-            <p:ph type="sldNum" sz="quarter" idx="12"/>
-          </p:nvPr>
-        </p:nvSpPr>
-        <p:spPr/>
-        <p:txBody>
-          <a:bodyPr/>
-          <a:lstStyle/>
-          <a:p>
-            <a:fld id="{FDFB9C32-4155-43F0-9D69-97C79EB91DC0}" type="slidenum">
-              <a:rPr lang="en-US" smtClean="0"/>
-              <a:t>‹#›</a:t>
-            </a:fld>
-            <a:endParaRPr lang="en-US"/>
-          </a:p>
-        </p:txBody>
-      </p:sp>
-    </p:spTree>
-    <p:extLst>
-      <p:ext uri="{BB962C8B-B14F-4D97-AF65-F5344CB8AC3E}">
-        <p14:creationId xmlns:p14="http://schemas.microsoft.com/office/powerpoint/2010/main" val="3505979245"/>
-      </p:ext>
-    </p:extLst>
-  </p:cSld>
-  <p:clrMapOvr>
-    <a:masterClrMapping/>
-  </p:clrMapOvr>
-</p:sldLayout>
-</file>
-
-<file path=ppt/slideLayouts/slideLayout11.xml><?xml version="1.0" encoding="utf-8"?>
 <p:sldLayout xmlns:a="http://schemas.openxmlformats.org/drawingml/2006/main" xmlns:r="http://schemas.openxmlformats.org/officeDocument/2006/relationships" xmlns:p="http://schemas.openxmlformats.org/presentationml/2006/main" preserve="1">
   <p:cSld name="Title and Caption">
     <p:spTree>
@@ -861,8 +929,8 @@
         </p:nvSpPr>
         <p:spPr>
           <a:xfrm>
-            <a:off x="1303868" y="982132"/>
-            <a:ext cx="9592732" cy="2954868"/>
+            <a:off x="677335" y="609600"/>
+            <a:ext cx="8596668" cy="3403600"/>
           </a:xfrm>
         </p:spPr>
         <p:txBody>
@@ -870,8 +938,8 @@
             <a:normAutofit/>
           </a:bodyPr>
           <a:lstStyle>
-            <a:lvl1pPr algn="ctr">
-              <a:defRPr sz="3200" b="0" cap="none"/>
+            <a:lvl1pPr algn="l">
+              <a:defRPr sz="4400" b="0" cap="none"/>
             </a:lvl1pPr>
           </a:lstStyle>
           <a:p>
@@ -895,8 +963,8 @@
         </p:nvSpPr>
         <p:spPr>
           <a:xfrm>
-            <a:off x="1303868" y="4343399"/>
-            <a:ext cx="9592732" cy="1532467"/>
+            <a:off x="677335" y="4470400"/>
+            <a:ext cx="8596668" cy="1570962"/>
           </a:xfrm>
         </p:spPr>
         <p:txBody>
@@ -904,11 +972,14 @@
             <a:normAutofit/>
           </a:bodyPr>
           <a:lstStyle>
-            <a:lvl1pPr marL="0" indent="0" algn="ctr">
-              <a:buNone/>
-              <a:defRPr sz="2000">
-                <a:solidFill>
-                  <a:schemeClr val="tx1"/>
+            <a:lvl1pPr marL="0" indent="0" algn="l">
+              <a:buNone/>
+              <a:defRPr sz="1800">
+                <a:solidFill>
+                  <a:schemeClr val="tx1">
+                    <a:lumMod val="75000"/>
+                    <a:lumOff val="25000"/>
+                  </a:schemeClr>
                 </a:solidFill>
               </a:defRPr>
             </a:lvl1pPr>
@@ -1067,41 +1138,10 @@
           </a:p>
         </p:txBody>
       </p:sp>
-      <p:cxnSp>
-        <p:nvCxnSpPr>
-          <p:cNvPr id="15" name="Straight Connector 14"/>
-          <p:cNvCxnSpPr/>
-          <p:nvPr/>
-        </p:nvCxnSpPr>
-        <p:spPr>
-          <a:xfrm>
-            <a:off x="1396169" y="4140199"/>
-            <a:ext cx="9407298" cy="0"/>
-          </a:xfrm>
-          <a:prstGeom prst="line">
-            <a:avLst/>
-          </a:prstGeom>
-          <a:ln w="15875"/>
-        </p:spPr>
-        <p:style>
-          <a:lnRef idx="2">
-            <a:schemeClr val="accent1"/>
-          </a:lnRef>
-          <a:fillRef idx="0">
-            <a:schemeClr val="accent1"/>
-          </a:fillRef>
-          <a:effectRef idx="1">
-            <a:schemeClr val="accent1"/>
-          </a:effectRef>
-          <a:fontRef idx="minor">
-            <a:schemeClr val="tx1"/>
-          </a:fontRef>
-        </p:style>
-      </p:cxnSp>
     </p:spTree>
     <p:extLst>
       <p:ext uri="{BB962C8B-B14F-4D97-AF65-F5344CB8AC3E}">
-        <p14:creationId xmlns:p14="http://schemas.microsoft.com/office/powerpoint/2010/main" val="3661755486"/>
+        <p14:creationId xmlns:p14="http://schemas.microsoft.com/office/powerpoint/2010/main" val="3731299908"/>
       </p:ext>
     </p:extLst>
   </p:cSld>
@@ -1111,7 +1151,7 @@
 </p:sldLayout>
 </file>
 
-<file path=ppt/slideLayouts/slideLayout12.xml><?xml version="1.0" encoding="utf-8"?>
+<file path=ppt/slideLayouts/slideLayout11.xml><?xml version="1.0" encoding="utf-8"?>
 <p:sldLayout xmlns:a="http://schemas.openxmlformats.org/drawingml/2006/main" xmlns:r="http://schemas.openxmlformats.org/officeDocument/2006/relationships" xmlns:p="http://schemas.openxmlformats.org/presentationml/2006/main" preserve="1">
   <p:cSld name="Quote with Caption">
     <p:spTree>
@@ -1140,8 +1180,8 @@
         </p:nvSpPr>
         <p:spPr>
           <a:xfrm>
-            <a:off x="1446213" y="982132"/>
-            <a:ext cx="9296398" cy="2370668"/>
+            <a:off x="931334" y="609600"/>
+            <a:ext cx="8094134" cy="3022600"/>
           </a:xfrm>
         </p:spPr>
         <p:txBody>
@@ -1149,37 +1189,96 @@
             <a:normAutofit/>
           </a:bodyPr>
           <a:lstStyle>
-            <a:lvl1pPr algn="ctr">
-              <a:defRPr sz="3200" b="0" cap="none">
-                <a:solidFill>
-                  <a:schemeClr val="tx1"/>
+            <a:lvl1pPr algn="l">
+              <a:defRPr sz="4400" b="0" cap="none"/>
+            </a:lvl1pPr>
+          </a:lstStyle>
+          <a:p>
+            <a:r>
+              <a:rPr lang="en-US"/>
+              <a:t>Click to edit Master title style</a:t>
+            </a:r>
+            <a:endParaRPr lang="en-US" dirty="0"/>
+          </a:p>
+        </p:txBody>
+      </p:sp>
+      <p:sp>
+        <p:nvSpPr>
+          <p:cNvPr id="23" name="Text Placeholder 9"/>
+          <p:cNvSpPr>
+            <a:spLocks noGrp="1"/>
+          </p:cNvSpPr>
+          <p:nvPr>
+            <p:ph type="body" sz="quarter" idx="13"/>
+          </p:nvPr>
+        </p:nvSpPr>
+        <p:spPr>
+          <a:xfrm>
+            <a:off x="1366139" y="3632200"/>
+            <a:ext cx="7224524" cy="381000"/>
+          </a:xfrm>
+        </p:spPr>
+        <p:txBody>
+          <a:bodyPr anchor="ctr">
+            <a:noAutofit/>
+          </a:bodyPr>
+          <a:lstStyle>
+            <a:lvl1pPr marL="0" indent="0">
+              <a:buFontTx/>
+              <a:buNone/>
+              <a:defRPr sz="1600">
+                <a:solidFill>
+                  <a:schemeClr val="tx1">
+                    <a:lumMod val="50000"/>
+                    <a:lumOff val="50000"/>
+                  </a:schemeClr>
                 </a:solidFill>
               </a:defRPr>
             </a:lvl1pPr>
+            <a:lvl2pPr marL="457200" indent="0">
+              <a:buFontTx/>
+              <a:buNone/>
+              <a:defRPr/>
+            </a:lvl2pPr>
+            <a:lvl3pPr marL="914400" indent="0">
+              <a:buFontTx/>
+              <a:buNone/>
+              <a:defRPr/>
+            </a:lvl3pPr>
+            <a:lvl4pPr marL="1371600" indent="0">
+              <a:buFontTx/>
+              <a:buNone/>
+              <a:defRPr/>
+            </a:lvl4pPr>
+            <a:lvl5pPr marL="1828800" indent="0">
+              <a:buFontTx/>
+              <a:buNone/>
+              <a:defRPr/>
+            </a:lvl5pPr>
           </a:lstStyle>
           <a:p>
-            <a:r>
-              <a:rPr lang="en-US"/>
-              <a:t>Click to edit Master title style</a:t>
-            </a:r>
-            <a:endParaRPr lang="en-US" dirty="0"/>
-          </a:p>
-        </p:txBody>
-      </p:sp>
-      <p:sp>
-        <p:nvSpPr>
-          <p:cNvPr id="10" name="Text Placeholder 9"/>
-          <p:cNvSpPr>
-            <a:spLocks noGrp="1"/>
-          </p:cNvSpPr>
-          <p:nvPr>
-            <p:ph type="body" sz="quarter" idx="13"/>
+            <a:pPr lvl="0"/>
+            <a:r>
+              <a:rPr lang="en-US"/>
+              <a:t>Click to edit Master text styles</a:t>
+            </a:r>
+          </a:p>
+        </p:txBody>
+      </p:sp>
+      <p:sp>
+        <p:nvSpPr>
+          <p:cNvPr id="3" name="Text Placeholder 2"/>
+          <p:cNvSpPr>
+            <a:spLocks noGrp="1"/>
+          </p:cNvSpPr>
+          <p:nvPr>
+            <p:ph type="body" idx="1"/>
           </p:nvPr>
         </p:nvSpPr>
         <p:spPr>
           <a:xfrm>
-            <a:off x="1674812" y="3352800"/>
-            <a:ext cx="8839202" cy="584200"/>
+            <a:off x="677335" y="4470400"/>
+            <a:ext cx="8596668" cy="1570962"/>
           </a:xfrm>
         </p:spPr>
         <p:txBody>
@@ -1187,67 +1286,14 @@
             <a:normAutofit/>
           </a:bodyPr>
           <a:lstStyle>
-            <a:lvl1pPr marL="0" indent="0" algn="r">
-              <a:buFontTx/>
-              <a:buNone/>
-              <a:defRPr sz="2000"/>
-            </a:lvl1pPr>
-            <a:lvl2pPr marL="457200" indent="0">
-              <a:buFontTx/>
-              <a:buNone/>
-              <a:defRPr/>
-            </a:lvl2pPr>
-            <a:lvl3pPr marL="914400" indent="0">
-              <a:buFontTx/>
-              <a:buNone/>
-              <a:defRPr/>
-            </a:lvl3pPr>
-            <a:lvl4pPr marL="1371600" indent="0">
-              <a:buFontTx/>
-              <a:buNone/>
-              <a:defRPr/>
-            </a:lvl4pPr>
-            <a:lvl5pPr marL="1828800" indent="0">
-              <a:buFontTx/>
-              <a:buNone/>
-              <a:defRPr/>
-            </a:lvl5pPr>
-          </a:lstStyle>
-          <a:p>
-            <a:pPr lvl="0"/>
-            <a:r>
-              <a:rPr lang="en-US"/>
-              <a:t>Click to edit Master text styles</a:t>
-            </a:r>
-          </a:p>
-        </p:txBody>
-      </p:sp>
-      <p:sp>
-        <p:nvSpPr>
-          <p:cNvPr id="3" name="Text Placeholder 2"/>
-          <p:cNvSpPr>
-            <a:spLocks noGrp="1"/>
-          </p:cNvSpPr>
-          <p:nvPr>
-            <p:ph type="body" idx="1"/>
-          </p:nvPr>
-        </p:nvSpPr>
-        <p:spPr>
-          <a:xfrm>
-            <a:off x="1295401" y="4343399"/>
-            <a:ext cx="9609666" cy="1532467"/>
-          </a:xfrm>
-        </p:spPr>
-        <p:txBody>
-          <a:bodyPr anchor="ctr">
-            <a:normAutofit/>
-          </a:bodyPr>
-          <a:lstStyle>
-            <a:lvl1pPr marL="0" indent="0" algn="ctr">
-              <a:buNone/>
-              <a:defRPr sz="2000">
-                <a:solidFill>
-                  <a:schemeClr val="tx1"/>
+            <a:lvl1pPr marL="0" indent="0" algn="l">
+              <a:buNone/>
+              <a:defRPr sz="1800">
+                <a:solidFill>
+                  <a:schemeClr val="tx1">
+                    <a:lumMod val="75000"/>
+                    <a:lumOff val="25000"/>
+                  </a:schemeClr>
                 </a:solidFill>
               </a:defRPr>
             </a:lvl1pPr>
@@ -1408,13 +1454,13 @@
       </p:sp>
       <p:sp>
         <p:nvSpPr>
-          <p:cNvPr id="14" name="TextBox 13"/>
+          <p:cNvPr id="20" name="TextBox 19"/>
           <p:cNvSpPr txBox="1"/>
           <p:nvPr/>
         </p:nvSpPr>
         <p:spPr>
           <a:xfrm>
-            <a:off x="862013" y="879961"/>
+            <a:off x="541870" y="790378"/>
             <a:ext cx="609600" cy="584776"/>
           </a:xfrm>
           <a:prstGeom prst="rect">
@@ -1429,11 +1475,18 @@
           <a:p>
             <a:pPr lvl="0"/>
             <a:r>
-              <a:rPr lang="en-US" sz="8000" dirty="0">
-                <a:solidFill>
-                  <a:schemeClr val="tx1"/>
+              <a:rPr lang="en-US" sz="8000" baseline="0" dirty="0">
+                <a:ln w="3175" cmpd="sng">
+                  <a:noFill/>
+                </a:ln>
+                <a:solidFill>
+                  <a:schemeClr val="accent1">
+                    <a:lumMod val="60000"/>
+                    <a:lumOff val="40000"/>
+                  </a:schemeClr>
                 </a:solidFill>
                 <a:effectLst/>
+                <a:latin typeface="Arial"/>
               </a:rPr>
               <a:t>“</a:t>
             </a:r>
@@ -1442,13 +1495,13 @@
       </p:sp>
       <p:sp>
         <p:nvSpPr>
-          <p:cNvPr id="15" name="TextBox 14"/>
+          <p:cNvPr id="22" name="TextBox 21"/>
           <p:cNvSpPr txBox="1"/>
           <p:nvPr/>
         </p:nvSpPr>
         <p:spPr>
           <a:xfrm>
-            <a:off x="10600267" y="2827870"/>
+            <a:off x="8893011" y="2886556"/>
             <a:ext cx="609600" cy="584776"/>
           </a:xfrm>
           <a:prstGeom prst="rect">
@@ -1461,54 +1514,38 @@
           </a:bodyPr>
           <a:lstStyle/>
           <a:p>
-            <a:pPr lvl="0" algn="r"/>
-            <a:r>
-              <a:rPr lang="en-US" sz="8000" dirty="0">
-                <a:solidFill>
-                  <a:schemeClr val="tx1"/>
-                </a:solidFill>
-                <a:effectLst/>
+            <a:pPr lvl="0"/>
+            <a:r>
+              <a:rPr lang="en-US" sz="8000" baseline="0" dirty="0">
+                <a:ln w="3175" cmpd="sng">
+                  <a:noFill/>
+                </a:ln>
+                <a:solidFill>
+                  <a:schemeClr val="accent1">
+                    <a:lumMod val="60000"/>
+                    <a:lumOff val="40000"/>
+                  </a:schemeClr>
+                </a:solidFill>
+                <a:latin typeface="Arial"/>
               </a:rPr>
               <a:t>”</a:t>
             </a:r>
-          </a:p>
-        </p:txBody>
-      </p:sp>
-      <p:cxnSp>
-        <p:nvCxnSpPr>
-          <p:cNvPr id="19" name="Straight Connector 18"/>
-          <p:cNvCxnSpPr/>
-          <p:nvPr/>
-        </p:nvCxnSpPr>
-        <p:spPr>
-          <a:xfrm>
-            <a:off x="1396169" y="4140199"/>
-            <a:ext cx="9407298" cy="0"/>
-          </a:xfrm>
-          <a:prstGeom prst="line">
-            <a:avLst/>
-          </a:prstGeom>
-          <a:ln w="15875"/>
-        </p:spPr>
-        <p:style>
-          <a:lnRef idx="2">
-            <a:schemeClr val="accent1"/>
-          </a:lnRef>
-          <a:fillRef idx="0">
-            <a:schemeClr val="accent1"/>
-          </a:fillRef>
-          <a:effectRef idx="1">
-            <a:schemeClr val="accent1"/>
-          </a:effectRef>
-          <a:fontRef idx="minor">
-            <a:schemeClr val="tx1"/>
-          </a:fontRef>
-        </p:style>
-      </p:cxnSp>
+            <a:endParaRPr lang="en-US" dirty="0">
+              <a:solidFill>
+                <a:schemeClr val="accent1">
+                  <a:lumMod val="60000"/>
+                  <a:lumOff val="40000"/>
+                </a:schemeClr>
+              </a:solidFill>
+              <a:latin typeface="Arial"/>
+            </a:endParaRPr>
+          </a:p>
+        </p:txBody>
+      </p:sp>
     </p:spTree>
     <p:extLst>
       <p:ext uri="{BB962C8B-B14F-4D97-AF65-F5344CB8AC3E}">
-        <p14:creationId xmlns:p14="http://schemas.microsoft.com/office/powerpoint/2010/main" val="3179575420"/>
+        <p14:creationId xmlns:p14="http://schemas.microsoft.com/office/powerpoint/2010/main" val="3640471935"/>
       </p:ext>
     </p:extLst>
   </p:cSld>
@@ -1518,7 +1555,7 @@
 </p:sldLayout>
 </file>
 
-<file path=ppt/slideLayouts/slideLayout13.xml><?xml version="1.0" encoding="utf-8"?>
+<file path=ppt/slideLayouts/slideLayout12.xml><?xml version="1.0" encoding="utf-8"?>
 <p:sldLayout xmlns:a="http://schemas.openxmlformats.org/drawingml/2006/main" xmlns:r="http://schemas.openxmlformats.org/officeDocument/2006/relationships" xmlns:p="http://schemas.openxmlformats.org/presentationml/2006/main" preserve="1">
   <p:cSld name="Name Card">
     <p:spTree>
@@ -1547,8 +1584,8 @@
         </p:nvSpPr>
         <p:spPr>
           <a:xfrm>
-            <a:off x="1295402" y="3308581"/>
-            <a:ext cx="9609668" cy="1468800"/>
+            <a:off x="677335" y="1931988"/>
+            <a:ext cx="8596668" cy="2595460"/>
           </a:xfrm>
         </p:spPr>
         <p:txBody>
@@ -1557,7 +1594,7 @@
           </a:bodyPr>
           <a:lstStyle>
             <a:lvl1pPr algn="l">
-              <a:defRPr sz="3200" b="0" cap="none"/>
+              <a:defRPr sz="4400" b="0" cap="none"/>
             </a:lvl1pPr>
           </a:lstStyle>
           <a:p>
@@ -1581,8 +1618,8 @@
         </p:nvSpPr>
         <p:spPr>
           <a:xfrm>
-            <a:off x="1295401" y="4777381"/>
-            <a:ext cx="9609668" cy="860400"/>
+            <a:off x="677335" y="4527448"/>
+            <a:ext cx="8596668" cy="1513914"/>
           </a:xfrm>
         </p:spPr>
         <p:txBody>
@@ -1592,9 +1629,12 @@
           <a:lstStyle>
             <a:lvl1pPr marL="0" indent="0" algn="l">
               <a:buNone/>
-              <a:defRPr sz="2000">
-                <a:solidFill>
-                  <a:schemeClr val="tx1"/>
+              <a:defRPr sz="1800">
+                <a:solidFill>
+                  <a:schemeClr val="tx1">
+                    <a:lumMod val="75000"/>
+                    <a:lumOff val="25000"/>
+                  </a:schemeClr>
                 </a:solidFill>
               </a:defRPr>
             </a:lvl1pPr>
@@ -1756,7 +1796,7 @@
     </p:spTree>
     <p:extLst>
       <p:ext uri="{BB962C8B-B14F-4D97-AF65-F5344CB8AC3E}">
-        <p14:creationId xmlns:p14="http://schemas.microsoft.com/office/powerpoint/2010/main" val="3992682782"/>
+        <p14:creationId xmlns:p14="http://schemas.microsoft.com/office/powerpoint/2010/main" val="1564627083"/>
       </p:ext>
     </p:extLst>
   </p:cSld>
@@ -1766,7 +1806,7 @@
 </p:sldLayout>
 </file>
 
-<file path=ppt/slideLayouts/slideLayout14.xml><?xml version="1.0" encoding="utf-8"?>
+<file path=ppt/slideLayouts/slideLayout13.xml><?xml version="1.0" encoding="utf-8"?>
 <p:sldLayout xmlns:a="http://schemas.openxmlformats.org/drawingml/2006/main" xmlns:r="http://schemas.openxmlformats.org/officeDocument/2006/relationships" xmlns:p="http://schemas.openxmlformats.org/presentationml/2006/main" preserve="1">
   <p:cSld name="Quote Name Card">
     <p:spTree>
@@ -1795,8 +1835,8 @@
         </p:nvSpPr>
         <p:spPr>
           <a:xfrm>
-            <a:off x="1446213" y="982132"/>
-            <a:ext cx="9296398" cy="2243668"/>
+            <a:off x="931334" y="609600"/>
+            <a:ext cx="8094134" cy="3022600"/>
           </a:xfrm>
         </p:spPr>
         <p:txBody>
@@ -1804,12 +1844,8 @@
             <a:normAutofit/>
           </a:bodyPr>
           <a:lstStyle>
-            <a:lvl1pPr algn="ctr">
-              <a:defRPr sz="3200" b="0" cap="none">
-                <a:solidFill>
-                  <a:schemeClr val="tx1"/>
-                </a:solidFill>
-              </a:defRPr>
+            <a:lvl1pPr algn="l">
+              <a:defRPr sz="4400" b="0" cap="none"/>
             </a:lvl1pPr>
           </a:lstStyle>
           <a:p>
@@ -1823,116 +1859,57 @@
       </p:sp>
       <p:sp>
         <p:nvSpPr>
-          <p:cNvPr id="23" name="Text Placeholder 2"/>
-          <p:cNvSpPr>
-            <a:spLocks noGrp="1"/>
-          </p:cNvSpPr>
-          <p:nvPr>
-            <p:ph type="body" idx="13"/>
+          <p:cNvPr id="23" name="Text Placeholder 9"/>
+          <p:cNvSpPr>
+            <a:spLocks noGrp="1"/>
+          </p:cNvSpPr>
+          <p:nvPr>
+            <p:ph type="body" sz="quarter" idx="13"/>
           </p:nvPr>
         </p:nvSpPr>
         <p:spPr>
           <a:xfrm>
-            <a:off x="1295401" y="3639312"/>
-            <a:ext cx="9609668" cy="886968"/>
+            <a:off x="677332" y="4013200"/>
+            <a:ext cx="8596669" cy="514248"/>
           </a:xfrm>
         </p:spPr>
         <p:txBody>
           <a:bodyPr anchor="b">
-            <a:normAutofit/>
+            <a:noAutofit/>
           </a:bodyPr>
           <a:lstStyle>
-            <a:lvl1pPr marL="0" indent="0" algn="l">
-              <a:spcBef>
-                <a:spcPts val="0"/>
-              </a:spcBef>
+            <a:lvl1pPr marL="0" indent="0">
+              <a:buFontTx/>
               <a:buNone/>
               <a:defRPr sz="2400">
                 <a:solidFill>
-                  <a:schemeClr val="tx1"/>
+                  <a:schemeClr val="tx1">
+                    <a:lumMod val="75000"/>
+                    <a:lumOff val="25000"/>
+                  </a:schemeClr>
                 </a:solidFill>
               </a:defRPr>
             </a:lvl1pPr>
             <a:lvl2pPr marL="457200" indent="0">
-              <a:buNone/>
-              <a:defRPr sz="1800">
-                <a:solidFill>
-                  <a:schemeClr val="tx1">
-                    <a:tint val="75000"/>
-                  </a:schemeClr>
-                </a:solidFill>
-              </a:defRPr>
+              <a:buFontTx/>
+              <a:buNone/>
+              <a:defRPr/>
             </a:lvl2pPr>
             <a:lvl3pPr marL="914400" indent="0">
-              <a:buNone/>
-              <a:defRPr sz="1600">
-                <a:solidFill>
-                  <a:schemeClr val="tx1">
-                    <a:tint val="75000"/>
-                  </a:schemeClr>
-                </a:solidFill>
-              </a:defRPr>
+              <a:buFontTx/>
+              <a:buNone/>
+              <a:defRPr/>
             </a:lvl3pPr>
             <a:lvl4pPr marL="1371600" indent="0">
-              <a:buNone/>
-              <a:defRPr sz="1400">
-                <a:solidFill>
-                  <a:schemeClr val="tx1">
-                    <a:tint val="75000"/>
-                  </a:schemeClr>
-                </a:solidFill>
-              </a:defRPr>
+              <a:buFontTx/>
+              <a:buNone/>
+              <a:defRPr/>
             </a:lvl4pPr>
             <a:lvl5pPr marL="1828800" indent="0">
-              <a:buNone/>
-              <a:defRPr sz="1400">
-                <a:solidFill>
-                  <a:schemeClr val="tx1">
-                    <a:tint val="75000"/>
-                  </a:schemeClr>
-                </a:solidFill>
-              </a:defRPr>
+              <a:buFontTx/>
+              <a:buNone/>
+              <a:defRPr/>
             </a:lvl5pPr>
-            <a:lvl6pPr marL="2286000" indent="0">
-              <a:buNone/>
-              <a:defRPr sz="1400">
-                <a:solidFill>
-                  <a:schemeClr val="tx1">
-                    <a:tint val="75000"/>
-                  </a:schemeClr>
-                </a:solidFill>
-              </a:defRPr>
-            </a:lvl6pPr>
-            <a:lvl7pPr marL="2743200" indent="0">
-              <a:buNone/>
-              <a:defRPr sz="1400">
-                <a:solidFill>
-                  <a:schemeClr val="tx1">
-                    <a:tint val="75000"/>
-                  </a:schemeClr>
-                </a:solidFill>
-              </a:defRPr>
-            </a:lvl7pPr>
-            <a:lvl8pPr marL="3200400" indent="0">
-              <a:buNone/>
-              <a:defRPr sz="1400">
-                <a:solidFill>
-                  <a:schemeClr val="tx1">
-                    <a:tint val="75000"/>
-                  </a:schemeClr>
-                </a:solidFill>
-              </a:defRPr>
-            </a:lvl8pPr>
-            <a:lvl9pPr marL="3657600" indent="0">
-              <a:buNone/>
-              <a:defRPr sz="1400">
-                <a:solidFill>
-                  <a:schemeClr val="tx1">
-                    <a:tint val="75000"/>
-                  </a:schemeClr>
-                </a:solidFill>
-              </a:defRPr>
-            </a:lvl9pPr>
           </a:lstStyle>
           <a:p>
             <a:pPr lvl="0"/>
@@ -1955,8 +1932,8 @@
         </p:nvSpPr>
         <p:spPr>
           <a:xfrm>
-            <a:off x="1295401" y="4529667"/>
-            <a:ext cx="9609668" cy="1346200"/>
+            <a:off x="677335" y="4527448"/>
+            <a:ext cx="8596668" cy="1513914"/>
           </a:xfrm>
         </p:spPr>
         <p:txBody>
@@ -1968,7 +1945,10 @@
               <a:buNone/>
               <a:defRPr sz="1800">
                 <a:solidFill>
-                  <a:schemeClr val="tx1"/>
+                  <a:schemeClr val="tx1">
+                    <a:lumMod val="50000"/>
+                    <a:lumOff val="50000"/>
+                  </a:schemeClr>
                 </a:solidFill>
               </a:defRPr>
             </a:lvl1pPr>
@@ -2129,13 +2109,13 @@
       </p:sp>
       <p:sp>
         <p:nvSpPr>
-          <p:cNvPr id="12" name="TextBox 11"/>
+          <p:cNvPr id="24" name="TextBox 23"/>
           <p:cNvSpPr txBox="1"/>
           <p:nvPr/>
         </p:nvSpPr>
         <p:spPr>
           <a:xfrm>
-            <a:off x="862013" y="879961"/>
+            <a:off x="541870" y="790378"/>
             <a:ext cx="609600" cy="584776"/>
           </a:xfrm>
           <a:prstGeom prst="rect">
@@ -2150,11 +2130,18 @@
           <a:p>
             <a:pPr lvl="0"/>
             <a:r>
-              <a:rPr lang="en-US" sz="8000" dirty="0">
-                <a:solidFill>
-                  <a:schemeClr val="tx1"/>
+              <a:rPr lang="en-US" sz="8000" baseline="0" dirty="0">
+                <a:ln w="3175" cmpd="sng">
+                  <a:noFill/>
+                </a:ln>
+                <a:solidFill>
+                  <a:schemeClr val="accent1">
+                    <a:lumMod val="60000"/>
+                    <a:lumOff val="40000"/>
+                  </a:schemeClr>
                 </a:solidFill>
                 <a:effectLst/>
+                <a:latin typeface="Arial"/>
               </a:rPr>
               <a:t>“</a:t>
             </a:r>
@@ -2163,13 +2150,13 @@
       </p:sp>
       <p:sp>
         <p:nvSpPr>
-          <p:cNvPr id="13" name="TextBox 12"/>
+          <p:cNvPr id="25" name="TextBox 24"/>
           <p:cNvSpPr txBox="1"/>
           <p:nvPr/>
         </p:nvSpPr>
         <p:spPr>
           <a:xfrm>
-            <a:off x="10600267" y="2599261"/>
+            <a:off x="8893011" y="2886556"/>
             <a:ext cx="609600" cy="584776"/>
           </a:xfrm>
           <a:prstGeom prst="rect">
@@ -2182,54 +2169,30 @@
           </a:bodyPr>
           <a:lstStyle/>
           <a:p>
-            <a:pPr lvl="0" algn="r"/>
-            <a:r>
-              <a:rPr lang="en-US" sz="8000" dirty="0">
-                <a:solidFill>
-                  <a:schemeClr val="tx1"/>
+            <a:pPr lvl="0"/>
+            <a:r>
+              <a:rPr lang="en-US" sz="8000" baseline="0" dirty="0">
+                <a:ln w="3175" cmpd="sng">
+                  <a:noFill/>
+                </a:ln>
+                <a:solidFill>
+                  <a:schemeClr val="accent1">
+                    <a:lumMod val="60000"/>
+                    <a:lumOff val="40000"/>
+                  </a:schemeClr>
                 </a:solidFill>
                 <a:effectLst/>
+                <a:latin typeface="Arial"/>
               </a:rPr>
               <a:t>”</a:t>
             </a:r>
           </a:p>
         </p:txBody>
       </p:sp>
-      <p:cxnSp>
-        <p:nvCxnSpPr>
-          <p:cNvPr id="26" name="Straight Connector 25"/>
-          <p:cNvCxnSpPr/>
-          <p:nvPr/>
-        </p:nvCxnSpPr>
-        <p:spPr>
-          <a:xfrm>
-            <a:off x="1396169" y="3429000"/>
-            <a:ext cx="9407298" cy="0"/>
-          </a:xfrm>
-          <a:prstGeom prst="line">
-            <a:avLst/>
-          </a:prstGeom>
-          <a:ln w="15875"/>
-        </p:spPr>
-        <p:style>
-          <a:lnRef idx="2">
-            <a:schemeClr val="accent1"/>
-          </a:lnRef>
-          <a:fillRef idx="0">
-            <a:schemeClr val="accent1"/>
-          </a:fillRef>
-          <a:effectRef idx="1">
-            <a:schemeClr val="accent1"/>
-          </a:effectRef>
-          <a:fontRef idx="minor">
-            <a:schemeClr val="tx1"/>
-          </a:fontRef>
-        </p:style>
-      </p:cxnSp>
     </p:spTree>
     <p:extLst>
       <p:ext uri="{BB962C8B-B14F-4D97-AF65-F5344CB8AC3E}">
-        <p14:creationId xmlns:p14="http://schemas.microsoft.com/office/powerpoint/2010/main" val="4241073538"/>
+        <p14:creationId xmlns:p14="http://schemas.microsoft.com/office/powerpoint/2010/main" val="3457483195"/>
       </p:ext>
     </p:extLst>
   </p:cSld>
@@ -2239,7 +2202,7 @@
 </p:sldLayout>
 </file>
 
-<file path=ppt/slideLayouts/slideLayout15.xml><?xml version="1.0" encoding="utf-8"?>
+<file path=ppt/slideLayouts/slideLayout14.xml><?xml version="1.0" encoding="utf-8"?>
 <p:sldLayout xmlns:a="http://schemas.openxmlformats.org/drawingml/2006/main" xmlns:r="http://schemas.openxmlformats.org/officeDocument/2006/relationships" xmlns:p="http://schemas.openxmlformats.org/presentationml/2006/main" preserve="1">
   <p:cSld name="True or False">
     <p:spTree>
@@ -2268,21 +2231,20 @@
         </p:nvSpPr>
         <p:spPr>
           <a:xfrm>
-            <a:off x="1295401" y="982132"/>
-            <a:ext cx="9609666" cy="2243668"/>
+            <a:off x="685799" y="609600"/>
+            <a:ext cx="8588203" cy="3022600"/>
           </a:xfrm>
         </p:spPr>
         <p:txBody>
-          <a:bodyPr vert="horz" lIns="91440" tIns="45720" rIns="91440" bIns="45720" rtlCol="0" anchor="ctr">
+          <a:bodyPr anchor="ctr">
             <a:normAutofit/>
           </a:bodyPr>
           <a:lstStyle>
-            <a:lvl1pPr>
-              <a:defRPr lang="en-US" b="0" dirty="0"/>
+            <a:lvl1pPr algn="l">
+              <a:defRPr sz="4400" b="0" cap="none"/>
             </a:lvl1pPr>
           </a:lstStyle>
           <a:p>
-            <a:pPr marL="0" lvl="0"/>
             <a:r>
               <a:rPr lang="en-US"/>
               <a:t>Click to edit Master title style</a:t>
@@ -2293,116 +2255,54 @@
       </p:sp>
       <p:sp>
         <p:nvSpPr>
-          <p:cNvPr id="20" name="Text Placeholder 2"/>
-          <p:cNvSpPr>
-            <a:spLocks noGrp="1"/>
-          </p:cNvSpPr>
-          <p:nvPr>
-            <p:ph type="body" idx="13"/>
+          <p:cNvPr id="23" name="Text Placeholder 9"/>
+          <p:cNvSpPr>
+            <a:spLocks noGrp="1"/>
+          </p:cNvSpPr>
+          <p:nvPr>
+            <p:ph type="body" sz="quarter" idx="13"/>
           </p:nvPr>
         </p:nvSpPr>
         <p:spPr>
           <a:xfrm>
-            <a:off x="1295401" y="3630168"/>
-            <a:ext cx="9609668" cy="841248"/>
+            <a:off x="677332" y="4013200"/>
+            <a:ext cx="8596669" cy="514248"/>
           </a:xfrm>
         </p:spPr>
         <p:txBody>
           <a:bodyPr anchor="b">
-            <a:normAutofit/>
+            <a:noAutofit/>
           </a:bodyPr>
           <a:lstStyle>
-            <a:lvl1pPr marL="0" indent="0" algn="l">
-              <a:spcBef>
-                <a:spcPts val="0"/>
-              </a:spcBef>
-              <a:buNone/>
-              <a:defRPr sz="2800">
-                <a:solidFill>
-                  <a:schemeClr val="tx1"/>
+            <a:lvl1pPr marL="0" indent="0">
+              <a:buFontTx/>
+              <a:buNone/>
+              <a:defRPr sz="2400">
+                <a:solidFill>
+                  <a:schemeClr val="accent1"/>
                 </a:solidFill>
               </a:defRPr>
             </a:lvl1pPr>
             <a:lvl2pPr marL="457200" indent="0">
-              <a:buNone/>
-              <a:defRPr sz="1800">
-                <a:solidFill>
-                  <a:schemeClr val="tx1">
-                    <a:tint val="75000"/>
-                  </a:schemeClr>
-                </a:solidFill>
-              </a:defRPr>
+              <a:buFontTx/>
+              <a:buNone/>
+              <a:defRPr/>
             </a:lvl2pPr>
             <a:lvl3pPr marL="914400" indent="0">
-              <a:buNone/>
-              <a:defRPr sz="1600">
-                <a:solidFill>
-                  <a:schemeClr val="tx1">
-                    <a:tint val="75000"/>
-                  </a:schemeClr>
-                </a:solidFill>
-              </a:defRPr>
+              <a:buFontTx/>
+              <a:buNone/>
+              <a:defRPr/>
             </a:lvl3pPr>
             <a:lvl4pPr marL="1371600" indent="0">
-              <a:buNone/>
-              <a:defRPr sz="1400">
-                <a:solidFill>
-                  <a:schemeClr val="tx1">
-                    <a:tint val="75000"/>
-                  </a:schemeClr>
-                </a:solidFill>
-              </a:defRPr>
+              <a:buFontTx/>
+              <a:buNone/>
+              <a:defRPr/>
             </a:lvl4pPr>
             <a:lvl5pPr marL="1828800" indent="0">
-              <a:buNone/>
-              <a:defRPr sz="1400">
-                <a:solidFill>
-                  <a:schemeClr val="tx1">
-                    <a:tint val="75000"/>
-                  </a:schemeClr>
-                </a:solidFill>
-              </a:defRPr>
+              <a:buFontTx/>
+              <a:buNone/>
+              <a:defRPr/>
             </a:lvl5pPr>
-            <a:lvl6pPr marL="2286000" indent="0">
-              <a:buNone/>
-              <a:defRPr sz="1400">
-                <a:solidFill>
-                  <a:schemeClr val="tx1">
-                    <a:tint val="75000"/>
-                  </a:schemeClr>
-                </a:solidFill>
-              </a:defRPr>
-            </a:lvl6pPr>
-            <a:lvl7pPr marL="2743200" indent="0">
-              <a:buNone/>
-              <a:defRPr sz="1400">
-                <a:solidFill>
-                  <a:schemeClr val="tx1">
-                    <a:tint val="75000"/>
-                  </a:schemeClr>
-                </a:solidFill>
-              </a:defRPr>
-            </a:lvl7pPr>
-            <a:lvl8pPr marL="3200400" indent="0">
-              <a:buNone/>
-              <a:defRPr sz="1400">
-                <a:solidFill>
-                  <a:schemeClr val="tx1">
-                    <a:tint val="75000"/>
-                  </a:schemeClr>
-                </a:solidFill>
-              </a:defRPr>
-            </a:lvl8pPr>
-            <a:lvl9pPr marL="3657600" indent="0">
-              <a:buNone/>
-              <a:defRPr sz="1400">
-                <a:solidFill>
-                  <a:schemeClr val="tx1">
-                    <a:tint val="75000"/>
-                  </a:schemeClr>
-                </a:solidFill>
-              </a:defRPr>
-            </a:lvl9pPr>
           </a:lstStyle>
           <a:p>
             <a:pPr lvl="0"/>
@@ -2425,8 +2325,8 @@
         </p:nvSpPr>
         <p:spPr>
           <a:xfrm>
-            <a:off x="1295400" y="4470399"/>
-            <a:ext cx="9609670" cy="1405467"/>
+            <a:off x="677335" y="4527448"/>
+            <a:ext cx="8596668" cy="1513914"/>
           </a:xfrm>
         </p:spPr>
         <p:txBody>
@@ -2438,7 +2338,10 @@
               <a:buNone/>
               <a:defRPr sz="1800">
                 <a:solidFill>
-                  <a:schemeClr val="tx1"/>
+                  <a:schemeClr val="tx1">
+                    <a:lumMod val="50000"/>
+                    <a:lumOff val="50000"/>
+                  </a:schemeClr>
                 </a:solidFill>
               </a:defRPr>
             </a:lvl1pPr>
@@ -2597,41 +2500,10 @@
           </a:p>
         </p:txBody>
       </p:sp>
-      <p:cxnSp>
-        <p:nvCxnSpPr>
-          <p:cNvPr id="15" name="Straight Connector 14"/>
-          <p:cNvCxnSpPr/>
-          <p:nvPr/>
-        </p:nvCxnSpPr>
-        <p:spPr>
-          <a:xfrm>
-            <a:off x="1396169" y="3429000"/>
-            <a:ext cx="9407298" cy="0"/>
-          </a:xfrm>
-          <a:prstGeom prst="line">
-            <a:avLst/>
-          </a:prstGeom>
-          <a:ln w="15875"/>
-        </p:spPr>
-        <p:style>
-          <a:lnRef idx="2">
-            <a:schemeClr val="accent1"/>
-          </a:lnRef>
-          <a:fillRef idx="0">
-            <a:schemeClr val="accent1"/>
-          </a:fillRef>
-          <a:effectRef idx="1">
-            <a:schemeClr val="accent1"/>
-          </a:effectRef>
-          <a:fontRef idx="minor">
-            <a:schemeClr val="tx1"/>
-          </a:fontRef>
-        </p:style>
-      </p:cxnSp>
     </p:spTree>
     <p:extLst>
       <p:ext uri="{BB962C8B-B14F-4D97-AF65-F5344CB8AC3E}">
-        <p14:creationId xmlns:p14="http://schemas.microsoft.com/office/powerpoint/2010/main" val="2644874310"/>
+        <p14:creationId xmlns:p14="http://schemas.microsoft.com/office/powerpoint/2010/main" val="3107930089"/>
       </p:ext>
     </p:extLst>
   </p:cSld>
@@ -2641,7 +2513,7 @@
 </p:sldLayout>
 </file>
 
-<file path=ppt/slideLayouts/slideLayout16.xml><?xml version="1.0" encoding="utf-8"?>
+<file path=ppt/slideLayouts/slideLayout15.xml><?xml version="1.0" encoding="utf-8"?>
 <p:sldLayout xmlns:a="http://schemas.openxmlformats.org/drawingml/2006/main" xmlns:r="http://schemas.openxmlformats.org/officeDocument/2006/relationships" xmlns:p="http://schemas.openxmlformats.org/presentationml/2006/main" type="vertTx" preserve="1">
   <p:cSld name="Title and Vertical Text">
     <p:spTree>
@@ -2671,11 +2543,7 @@
         <p:spPr/>
         <p:txBody>
           <a:bodyPr/>
-          <a:lstStyle>
-            <a:lvl1pPr algn="ctr">
-              <a:defRPr/>
-            </a:lvl1pPr>
-          </a:lstStyle>
+          <a:lstStyle/>
           <a:p>
             <a:r>
               <a:rPr lang="en-US"/>
@@ -2697,7 +2565,7 @@
         </p:nvSpPr>
         <p:spPr/>
         <p:txBody>
-          <a:bodyPr vert="eaVert" anchor="t"/>
+          <a:bodyPr vert="eaVert"/>
           <a:lstStyle/>
           <a:p>
             <a:pPr lvl="0"/>
@@ -2802,41 +2670,10 @@
           </a:p>
         </p:txBody>
       </p:sp>
-      <p:cxnSp>
-        <p:nvCxnSpPr>
-          <p:cNvPr id="14" name="Straight Connector 13"/>
-          <p:cNvCxnSpPr/>
-          <p:nvPr/>
-        </p:nvCxnSpPr>
-        <p:spPr>
-          <a:xfrm>
-            <a:off x="1396169" y="2421466"/>
-            <a:ext cx="9407298" cy="0"/>
-          </a:xfrm>
-          <a:prstGeom prst="line">
-            <a:avLst/>
-          </a:prstGeom>
-          <a:ln w="15875"/>
-        </p:spPr>
-        <p:style>
-          <a:lnRef idx="2">
-            <a:schemeClr val="accent1"/>
-          </a:lnRef>
-          <a:fillRef idx="0">
-            <a:schemeClr val="accent1"/>
-          </a:fillRef>
-          <a:effectRef idx="1">
-            <a:schemeClr val="accent1"/>
-          </a:effectRef>
-          <a:fontRef idx="minor">
-            <a:schemeClr val="tx1"/>
-          </a:fontRef>
-        </p:style>
-      </p:cxnSp>
     </p:spTree>
     <p:extLst>
       <p:ext uri="{BB962C8B-B14F-4D97-AF65-F5344CB8AC3E}">
-        <p14:creationId xmlns:p14="http://schemas.microsoft.com/office/powerpoint/2010/main" val="3888799629"/>
+        <p14:creationId xmlns:p14="http://schemas.microsoft.com/office/powerpoint/2010/main" val="1608372834"/>
       </p:ext>
     </p:extLst>
   </p:cSld>
@@ -2846,7 +2683,7 @@
 </p:sldLayout>
 </file>
 
-<file path=ppt/slideLayouts/slideLayout17.xml><?xml version="1.0" encoding="utf-8"?>
+<file path=ppt/slideLayouts/slideLayout16.xml><?xml version="1.0" encoding="utf-8"?>
 <p:sldLayout xmlns:a="http://schemas.openxmlformats.org/drawingml/2006/main" xmlns:r="http://schemas.openxmlformats.org/officeDocument/2006/relationships" xmlns:p="http://schemas.openxmlformats.org/presentationml/2006/main" type="vertTitleAndTx" preserve="1">
   <p:cSld name="Vertical Title and Text">
     <p:spTree>
@@ -2875,12 +2712,12 @@
         </p:nvSpPr>
         <p:spPr>
           <a:xfrm>
-            <a:off x="8999356" y="982131"/>
-            <a:ext cx="1890895" cy="4893735"/>
+            <a:off x="7967673" y="609599"/>
+            <a:ext cx="1304743" cy="5251451"/>
           </a:xfrm>
         </p:spPr>
         <p:txBody>
-          <a:bodyPr vert="eaVert"/>
+          <a:bodyPr vert="eaVert" anchor="ctr"/>
           <a:lstStyle/>
           <a:p>
             <a:r>
@@ -2903,12 +2740,12 @@
         </p:nvSpPr>
         <p:spPr>
           <a:xfrm>
-            <a:off x="1295398" y="982132"/>
-            <a:ext cx="7433025" cy="4893734"/>
+            <a:off x="677335" y="609600"/>
+            <a:ext cx="7060150" cy="5251450"/>
           </a:xfrm>
         </p:spPr>
         <p:txBody>
-          <a:bodyPr vert="eaVert" anchor="t"/>
+          <a:bodyPr vert="eaVert"/>
           <a:lstStyle/>
           <a:p>
             <a:pPr lvl="0"/>
@@ -3013,41 +2850,10 @@
           </a:p>
         </p:txBody>
       </p:sp>
-      <p:cxnSp>
-        <p:nvCxnSpPr>
-          <p:cNvPr id="14" name="Straight Connector 13"/>
-          <p:cNvCxnSpPr/>
-          <p:nvPr/>
-        </p:nvCxnSpPr>
-        <p:spPr>
-          <a:xfrm>
-            <a:off x="8863890" y="990600"/>
-            <a:ext cx="0" cy="4876800"/>
-          </a:xfrm>
-          <a:prstGeom prst="line">
-            <a:avLst/>
-          </a:prstGeom>
-          <a:ln w="15875"/>
-        </p:spPr>
-        <p:style>
-          <a:lnRef idx="2">
-            <a:schemeClr val="accent1"/>
-          </a:lnRef>
-          <a:fillRef idx="0">
-            <a:schemeClr val="accent1"/>
-          </a:fillRef>
-          <a:effectRef idx="1">
-            <a:schemeClr val="accent1"/>
-          </a:effectRef>
-          <a:fontRef idx="minor">
-            <a:schemeClr val="tx1"/>
-          </a:fontRef>
-        </p:style>
-      </p:cxnSp>
     </p:spTree>
     <p:extLst>
       <p:ext uri="{BB962C8B-B14F-4D97-AF65-F5344CB8AC3E}">
-        <p14:creationId xmlns:p14="http://schemas.microsoft.com/office/powerpoint/2010/main" val="2478853005"/>
+        <p14:creationId xmlns:p14="http://schemas.microsoft.com/office/powerpoint/2010/main" val="876585597"/>
       </p:ext>
     </p:extLst>
   </p:cSld>
@@ -3074,37 +2880,6 @@
           <a:chExt cx="0" cy="0"/>
         </a:xfrm>
       </p:grpSpPr>
-      <p:cxnSp>
-        <p:nvCxnSpPr>
-          <p:cNvPr id="7" name="Straight Connector 6"/>
-          <p:cNvCxnSpPr/>
-          <p:nvPr/>
-        </p:nvCxnSpPr>
-        <p:spPr>
-          <a:xfrm>
-            <a:off x="1396169" y="2421466"/>
-            <a:ext cx="9407298" cy="0"/>
-          </a:xfrm>
-          <a:prstGeom prst="line">
-            <a:avLst/>
-          </a:prstGeom>
-          <a:ln w="15875"/>
-        </p:spPr>
-        <p:style>
-          <a:lnRef idx="2">
-            <a:schemeClr val="accent1"/>
-          </a:lnRef>
-          <a:fillRef idx="0">
-            <a:schemeClr val="accent1"/>
-          </a:fillRef>
-          <a:effectRef idx="1">
-            <a:schemeClr val="accent1"/>
-          </a:effectRef>
-          <a:fontRef idx="minor">
-            <a:schemeClr val="tx1"/>
-          </a:fontRef>
-        </p:style>
-      </p:cxnSp>
       <p:sp>
         <p:nvSpPr>
           <p:cNvPr id="2" name="Title 1"/>
@@ -3117,8 +2892,14 @@
         </p:nvSpPr>
         <p:spPr/>
         <p:txBody>
-          <a:bodyPr/>
-          <a:lstStyle/>
+          <a:bodyPr>
+            <a:normAutofit/>
+          </a:bodyPr>
+          <a:lstStyle>
+            <a:lvl1pPr>
+              <a:defRPr sz="3600"/>
+            </a:lvl1pPr>
+          </a:lstStyle>
           <a:p>
             <a:r>
               <a:rPr lang="en-US"/>
@@ -3248,7 +3029,7 @@
     </p:spTree>
     <p:extLst>
       <p:ext uri="{BB962C8B-B14F-4D97-AF65-F5344CB8AC3E}">
-        <p14:creationId xmlns:p14="http://schemas.microsoft.com/office/powerpoint/2010/main" val="2079029425"/>
+        <p14:creationId xmlns:p14="http://schemas.microsoft.com/office/powerpoint/2010/main" val="3224226199"/>
       </p:ext>
     </p:extLst>
   </p:cSld>
@@ -3287,17 +3068,15 @@
         </p:nvSpPr>
         <p:spPr>
           <a:xfrm>
-            <a:off x="2015069" y="1752606"/>
-            <a:ext cx="8158688" cy="1822514"/>
+            <a:off x="677335" y="2700867"/>
+            <a:ext cx="8596668" cy="1826581"/>
           </a:xfrm>
         </p:spPr>
         <p:txBody>
-          <a:bodyPr anchor="b">
-            <a:normAutofit/>
-          </a:bodyPr>
+          <a:bodyPr anchor="b"/>
           <a:lstStyle>
-            <a:lvl1pPr algn="ctr">
-              <a:defRPr sz="4400" b="0" cap="none"/>
+            <a:lvl1pPr algn="l">
+              <a:defRPr sz="4000" b="0" cap="none"/>
             </a:lvl1pPr>
           </a:lstStyle>
           <a:p>
@@ -3321,20 +3100,21 @@
         </p:nvSpPr>
         <p:spPr>
           <a:xfrm>
-            <a:off x="2015067" y="3846051"/>
-            <a:ext cx="8158690" cy="954547"/>
+            <a:off x="677335" y="4527448"/>
+            <a:ext cx="8596668" cy="860400"/>
           </a:xfrm>
         </p:spPr>
         <p:txBody>
-          <a:bodyPr anchor="t">
-            <a:normAutofit/>
-          </a:bodyPr>
+          <a:bodyPr anchor="t"/>
           <a:lstStyle>
-            <a:lvl1pPr marL="0" indent="0" algn="ctr">
-              <a:buNone/>
-              <a:defRPr sz="2400">
-                <a:solidFill>
-                  <a:schemeClr val="tx1"/>
+            <a:lvl1pPr marL="0" indent="0" algn="l">
+              <a:buNone/>
+              <a:defRPr sz="2000">
+                <a:solidFill>
+                  <a:schemeClr val="tx1">
+                    <a:lumMod val="50000"/>
+                    <a:lumOff val="50000"/>
+                  </a:schemeClr>
                 </a:solidFill>
               </a:defRPr>
             </a:lvl1pPr>
@@ -3493,41 +3273,10 @@
           </a:p>
         </p:txBody>
       </p:sp>
-      <p:cxnSp>
-        <p:nvCxnSpPr>
-          <p:cNvPr id="16" name="Straight Connector 15"/>
-          <p:cNvCxnSpPr/>
-          <p:nvPr/>
-        </p:nvCxnSpPr>
-        <p:spPr>
-          <a:xfrm>
-            <a:off x="2012723" y="3710585"/>
-            <a:ext cx="8163380" cy="0"/>
-          </a:xfrm>
-          <a:prstGeom prst="line">
-            <a:avLst/>
-          </a:prstGeom>
-          <a:ln w="15875"/>
-        </p:spPr>
-        <p:style>
-          <a:lnRef idx="2">
-            <a:schemeClr val="accent1"/>
-          </a:lnRef>
-          <a:fillRef idx="0">
-            <a:schemeClr val="accent1"/>
-          </a:fillRef>
-          <a:effectRef idx="1">
-            <a:schemeClr val="accent1"/>
-          </a:effectRef>
-          <a:fontRef idx="minor">
-            <a:schemeClr val="tx1"/>
-          </a:fontRef>
-        </p:style>
-      </p:cxnSp>
     </p:spTree>
     <p:extLst>
       <p:ext uri="{BB962C8B-B14F-4D97-AF65-F5344CB8AC3E}">
-        <p14:creationId xmlns:p14="http://schemas.microsoft.com/office/powerpoint/2010/main" val="1914716087"/>
+        <p14:creationId xmlns:p14="http://schemas.microsoft.com/office/powerpoint/2010/main" val="1941006071"/>
       </p:ext>
     </p:extLst>
   </p:cSld>
@@ -3554,55 +3303,81 @@
           <a:chExt cx="0" cy="0"/>
         </a:xfrm>
       </p:grpSpPr>
-      <p:cxnSp>
-        <p:nvCxnSpPr>
-          <p:cNvPr id="8" name="Straight Connector 7"/>
-          <p:cNvCxnSpPr/>
-          <p:nvPr/>
-        </p:nvCxnSpPr>
+      <p:sp>
+        <p:nvSpPr>
+          <p:cNvPr id="2" name="Title 1"/>
+          <p:cNvSpPr>
+            <a:spLocks noGrp="1"/>
+          </p:cNvSpPr>
+          <p:nvPr>
+            <p:ph type="title"/>
+          </p:nvPr>
+        </p:nvSpPr>
+        <p:spPr/>
+        <p:txBody>
+          <a:bodyPr/>
+          <a:lstStyle/>
+          <a:p>
+            <a:r>
+              <a:rPr lang="en-US"/>
+              <a:t>Click to edit Master title style</a:t>
+            </a:r>
+            <a:endParaRPr lang="en-US" dirty="0"/>
+          </a:p>
+        </p:txBody>
+      </p:sp>
+      <p:sp>
+        <p:nvSpPr>
+          <p:cNvPr id="3" name="Content Placeholder 2"/>
+          <p:cNvSpPr>
+            <a:spLocks noGrp="1"/>
+          </p:cNvSpPr>
+          <p:nvPr>
+            <p:ph sz="half" idx="1"/>
+          </p:nvPr>
+        </p:nvSpPr>
         <p:spPr>
           <a:xfrm>
-            <a:off x="1396169" y="2421466"/>
-            <a:ext cx="9407298" cy="0"/>
+            <a:off x="677334" y="2160589"/>
+            <a:ext cx="4184035" cy="3880772"/>
           </a:xfrm>
-          <a:prstGeom prst="line">
-            <a:avLst/>
-          </a:prstGeom>
-          <a:ln w="15875"/>
         </p:spPr>
-        <p:style>
-          <a:lnRef idx="2">
-            <a:schemeClr val="accent1"/>
-          </a:lnRef>
-          <a:fillRef idx="0">
-            <a:schemeClr val="accent1"/>
-          </a:fillRef>
-          <a:effectRef idx="1">
-            <a:schemeClr val="accent1"/>
-          </a:effectRef>
-          <a:fontRef idx="minor">
-            <a:schemeClr val="tx1"/>
-          </a:fontRef>
-        </p:style>
-      </p:cxnSp>
-      <p:sp>
-        <p:nvSpPr>
-          <p:cNvPr id="2" name="Title 1"/>
-          <p:cNvSpPr>
-            <a:spLocks noGrp="1"/>
-          </p:cNvSpPr>
-          <p:nvPr>
-            <p:ph type="title"/>
-          </p:nvPr>
-        </p:nvSpPr>
-        <p:spPr/>
         <p:txBody>
           <a:bodyPr/>
           <a:lstStyle/>
           <a:p>
-            <a:r>
-              <a:rPr lang="en-US"/>
-              <a:t>Click to edit Master title style</a:t>
+            <a:pPr lvl="0"/>
+            <a:r>
+              <a:rPr lang="en-US"/>
+              <a:t>Click to edit Master text styles</a:t>
+            </a:r>
+          </a:p>
+          <a:p>
+            <a:pPr lvl="1"/>
+            <a:r>
+              <a:rPr lang="en-US"/>
+              <a:t>Second level</a:t>
+            </a:r>
+          </a:p>
+          <a:p>
+            <a:pPr lvl="2"/>
+            <a:r>
+              <a:rPr lang="en-US"/>
+              <a:t>Third level</a:t>
+            </a:r>
+          </a:p>
+          <a:p>
+            <a:pPr lvl="3"/>
+            <a:r>
+              <a:rPr lang="en-US"/>
+              <a:t>Fourth level</a:t>
+            </a:r>
+          </a:p>
+          <a:p>
+            <a:pPr lvl="4"/>
+            <a:r>
+              <a:rPr lang="en-US"/>
+              <a:t>Fifth level</a:t>
             </a:r>
             <a:endParaRPr lang="en-US" dirty="0"/>
           </a:p>
@@ -3610,83 +3385,22 @@
       </p:sp>
       <p:sp>
         <p:nvSpPr>
-          <p:cNvPr id="3" name="Content Placeholder 2"/>
-          <p:cNvSpPr>
-            <a:spLocks noGrp="1"/>
-          </p:cNvSpPr>
-          <p:nvPr>
-            <p:ph sz="half" idx="1"/>
+          <p:cNvPr id="4" name="Content Placeholder 3"/>
+          <p:cNvSpPr>
+            <a:spLocks noGrp="1"/>
+          </p:cNvSpPr>
+          <p:nvPr>
+            <p:ph sz="half" idx="2"/>
           </p:nvPr>
         </p:nvSpPr>
         <p:spPr>
           <a:xfrm>
-            <a:off x="1298448" y="2560320"/>
-            <a:ext cx="4718304" cy="3310128"/>
+            <a:off x="5089970" y="2160589"/>
+            <a:ext cx="4184034" cy="3880773"/>
           </a:xfrm>
         </p:spPr>
         <p:txBody>
-          <a:bodyPr>
-            <a:normAutofit/>
-          </a:bodyPr>
-          <a:lstStyle/>
-          <a:p>
-            <a:pPr lvl="0"/>
-            <a:r>
-              <a:rPr lang="en-US"/>
-              <a:t>Click to edit Master text styles</a:t>
-            </a:r>
-          </a:p>
-          <a:p>
-            <a:pPr lvl="1"/>
-            <a:r>
-              <a:rPr lang="en-US"/>
-              <a:t>Second level</a:t>
-            </a:r>
-          </a:p>
-          <a:p>
-            <a:pPr lvl="2"/>
-            <a:r>
-              <a:rPr lang="en-US"/>
-              <a:t>Third level</a:t>
-            </a:r>
-          </a:p>
-          <a:p>
-            <a:pPr lvl="3"/>
-            <a:r>
-              <a:rPr lang="en-US"/>
-              <a:t>Fourth level</a:t>
-            </a:r>
-          </a:p>
-          <a:p>
-            <a:pPr lvl="4"/>
-            <a:r>
-              <a:rPr lang="en-US"/>
-              <a:t>Fifth level</a:t>
-            </a:r>
-            <a:endParaRPr lang="en-US" dirty="0"/>
-          </a:p>
-        </p:txBody>
-      </p:sp>
-      <p:sp>
-        <p:nvSpPr>
-          <p:cNvPr id="4" name="Content Placeholder 3"/>
-          <p:cNvSpPr>
-            <a:spLocks noGrp="1"/>
-          </p:cNvSpPr>
-          <p:nvPr>
-            <p:ph sz="half" idx="2"/>
-          </p:nvPr>
-        </p:nvSpPr>
-        <p:spPr>
-          <a:xfrm>
-            <a:off x="6181344" y="2560320"/>
-            <a:ext cx="4718304" cy="3310128"/>
-          </a:xfrm>
-        </p:spPr>
-        <p:txBody>
-          <a:bodyPr>
-            <a:normAutofit/>
-          </a:bodyPr>
+          <a:bodyPr/>
           <a:lstStyle/>
           <a:p>
             <a:pPr lvl="0"/>
@@ -3794,7 +3508,7 @@
     </p:spTree>
     <p:extLst>
       <p:ext uri="{BB962C8B-B14F-4D97-AF65-F5344CB8AC3E}">
-        <p14:creationId xmlns:p14="http://schemas.microsoft.com/office/powerpoint/2010/main" val="3491269335"/>
+        <p14:creationId xmlns:p14="http://schemas.microsoft.com/office/powerpoint/2010/main" val="1454637341"/>
       </p:ext>
     </p:extLst>
   </p:cSld>
@@ -3860,8 +3574,8 @@
         </p:nvSpPr>
         <p:spPr>
           <a:xfrm>
-            <a:off x="1295400" y="2658533"/>
-            <a:ext cx="4718304" cy="576262"/>
+            <a:off x="675745" y="2160983"/>
+            <a:ext cx="4185623" cy="576262"/>
           </a:xfrm>
         </p:spPr>
         <p:txBody>
@@ -3870,18 +3584,8 @@
           </a:bodyPr>
           <a:lstStyle>
             <a:lvl1pPr marL="0" indent="0">
-              <a:spcBef>
-                <a:spcPts val="672"/>
-              </a:spcBef>
-              <a:spcAft>
-                <a:spcPts val="600"/>
-              </a:spcAft>
-              <a:buNone/>
-              <a:defRPr sz="2800" b="0">
-                <a:solidFill>
-                  <a:schemeClr val="accent1"/>
-                </a:solidFill>
-              </a:defRPr>
+              <a:buNone/>
+              <a:defRPr sz="2400" b="0"/>
             </a:lvl1pPr>
             <a:lvl2pPr marL="457200" indent="0">
               <a:buNone/>
@@ -3937,12 +3641,12 @@
         </p:nvSpPr>
         <p:spPr>
           <a:xfrm>
-            <a:off x="1295400" y="3243262"/>
-            <a:ext cx="4718304" cy="2632605"/>
+            <a:off x="675745" y="2737245"/>
+            <a:ext cx="4185623" cy="3304117"/>
           </a:xfrm>
         </p:spPr>
         <p:txBody>
-          <a:bodyPr anchor="t">
+          <a:bodyPr>
             <a:normAutofit/>
           </a:bodyPr>
           <a:lstStyle/>
@@ -3996,8 +3700,8 @@
         </p:nvSpPr>
         <p:spPr>
           <a:xfrm>
-            <a:off x="6180670" y="2658533"/>
-            <a:ext cx="4718304" cy="576262"/>
+            <a:off x="5088383" y="2160983"/>
+            <a:ext cx="4185618" cy="576262"/>
           </a:xfrm>
         </p:spPr>
         <p:txBody>
@@ -4006,18 +3710,8 @@
           </a:bodyPr>
           <a:lstStyle>
             <a:lvl1pPr marL="0" indent="0">
-              <a:spcBef>
-                <a:spcPts val="672"/>
-              </a:spcBef>
-              <a:spcAft>
-                <a:spcPts val="600"/>
-              </a:spcAft>
-              <a:buNone/>
-              <a:defRPr sz="2800" b="0">
-                <a:solidFill>
-                  <a:schemeClr val="accent1"/>
-                </a:solidFill>
-              </a:defRPr>
+              <a:buNone/>
+              <a:defRPr sz="2400" b="0"/>
             </a:lvl1pPr>
             <a:lvl2pPr marL="457200" indent="0">
               <a:buNone/>
@@ -4073,12 +3767,12 @@
         </p:nvSpPr>
         <p:spPr>
           <a:xfrm>
-            <a:off x="6180670" y="3243262"/>
-            <a:ext cx="4718304" cy="2632605"/>
+            <a:off x="5088384" y="2737245"/>
+            <a:ext cx="4185617" cy="3304117"/>
           </a:xfrm>
         </p:spPr>
         <p:txBody>
-          <a:bodyPr anchor="t">
+          <a:bodyPr>
             <a:normAutofit/>
           </a:bodyPr>
           <a:lstStyle/>
@@ -4185,41 +3879,10 @@
           </a:p>
         </p:txBody>
       </p:sp>
-      <p:cxnSp>
-        <p:nvCxnSpPr>
-          <p:cNvPr id="18" name="Straight Connector 17"/>
-          <p:cNvCxnSpPr/>
-          <p:nvPr/>
-        </p:nvCxnSpPr>
-        <p:spPr>
-          <a:xfrm>
-            <a:off x="1396169" y="2421466"/>
-            <a:ext cx="9407298" cy="0"/>
-          </a:xfrm>
-          <a:prstGeom prst="line">
-            <a:avLst/>
-          </a:prstGeom>
-          <a:ln w="15875"/>
-        </p:spPr>
-        <p:style>
-          <a:lnRef idx="2">
-            <a:schemeClr val="accent1"/>
-          </a:lnRef>
-          <a:fillRef idx="0">
-            <a:schemeClr val="accent1"/>
-          </a:fillRef>
-          <a:effectRef idx="1">
-            <a:schemeClr val="accent1"/>
-          </a:effectRef>
-          <a:fontRef idx="minor">
-            <a:schemeClr val="tx1"/>
-          </a:fontRef>
-        </p:style>
-      </p:cxnSp>
     </p:spTree>
     <p:extLst>
       <p:ext uri="{BB962C8B-B14F-4D97-AF65-F5344CB8AC3E}">
-        <p14:creationId xmlns:p14="http://schemas.microsoft.com/office/powerpoint/2010/main" val="1901726693"/>
+        <p14:creationId xmlns:p14="http://schemas.microsoft.com/office/powerpoint/2010/main" val="40292502"/>
       </p:ext>
     </p:extLst>
   </p:cSld>
@@ -4256,7 +3919,12 @@
             <p:ph type="title"/>
           </p:nvPr>
         </p:nvSpPr>
-        <p:spPr/>
+        <p:spPr>
+          <a:xfrm>
+            <a:off x="677334" y="609600"/>
+            <a:ext cx="8596668" cy="1320800"/>
+          </a:xfrm>
+        </p:spPr>
         <p:txBody>
           <a:bodyPr/>
           <a:lstStyle/>
@@ -4334,41 +4002,10 @@
           </a:p>
         </p:txBody>
       </p:sp>
-      <p:cxnSp>
-        <p:nvCxnSpPr>
-          <p:cNvPr id="14" name="Straight Connector 13"/>
-          <p:cNvCxnSpPr/>
-          <p:nvPr/>
-        </p:nvCxnSpPr>
-        <p:spPr>
-          <a:xfrm>
-            <a:off x="1396169" y="2421466"/>
-            <a:ext cx="9407298" cy="0"/>
-          </a:xfrm>
-          <a:prstGeom prst="line">
-            <a:avLst/>
-          </a:prstGeom>
-          <a:ln w="15875"/>
-        </p:spPr>
-        <p:style>
-          <a:lnRef idx="2">
-            <a:schemeClr val="accent1"/>
-          </a:lnRef>
-          <a:fillRef idx="0">
-            <a:schemeClr val="accent1"/>
-          </a:fillRef>
-          <a:effectRef idx="1">
-            <a:schemeClr val="accent1"/>
-          </a:effectRef>
-          <a:fontRef idx="minor">
-            <a:schemeClr val="tx1"/>
-          </a:fontRef>
-        </p:style>
-      </p:cxnSp>
     </p:spTree>
     <p:extLst>
       <p:ext uri="{BB962C8B-B14F-4D97-AF65-F5344CB8AC3E}">
-        <p14:creationId xmlns:p14="http://schemas.microsoft.com/office/powerpoint/2010/main" val="2371278498"/>
+        <p14:creationId xmlns:p14="http://schemas.microsoft.com/office/powerpoint/2010/main" val="2179229562"/>
       </p:ext>
     </p:extLst>
   </p:cSld>
@@ -4463,7 +4100,7 @@
     </p:spTree>
     <p:extLst>
       <p:ext uri="{BB962C8B-B14F-4D97-AF65-F5344CB8AC3E}">
-        <p14:creationId xmlns:p14="http://schemas.microsoft.com/office/powerpoint/2010/main" val="889574"/>
+        <p14:creationId xmlns:p14="http://schemas.microsoft.com/office/powerpoint/2010/main" val="2515288576"/>
       </p:ext>
     </p:extLst>
   </p:cSld>
@@ -4502,8 +4139,8 @@
         </p:nvSpPr>
         <p:spPr>
           <a:xfrm>
-            <a:off x="1293811" y="1388534"/>
-            <a:ext cx="3718455" cy="1371600"/>
+            <a:off x="677334" y="1498604"/>
+            <a:ext cx="3854528" cy="1278466"/>
           </a:xfrm>
         </p:spPr>
         <p:txBody>
@@ -4511,8 +4148,8 @@
             <a:normAutofit/>
           </a:bodyPr>
           <a:lstStyle>
-            <a:lvl1pPr algn="ctr">
-              <a:defRPr sz="2400" b="0"/>
+            <a:lvl1pPr>
+              <a:defRPr sz="2000"/>
             </a:lvl1pPr>
           </a:lstStyle>
           <a:p>
@@ -4536,12 +4173,12 @@
         </p:nvSpPr>
         <p:spPr>
           <a:xfrm>
-            <a:off x="5418668" y="982131"/>
-            <a:ext cx="5469466" cy="4893735"/>
+            <a:off x="4760461" y="514924"/>
+            <a:ext cx="4513541" cy="5526437"/>
           </a:xfrm>
         </p:spPr>
         <p:txBody>
-          <a:bodyPr anchor="ctr">
+          <a:bodyPr>
             <a:normAutofit/>
           </a:bodyPr>
           <a:lstStyle/>
@@ -4595,50 +4232,50 @@
         </p:nvSpPr>
         <p:spPr>
           <a:xfrm>
-            <a:off x="1293811" y="3031065"/>
-            <a:ext cx="3718455" cy="2438404"/>
+            <a:off x="677334" y="2777069"/>
+            <a:ext cx="3854528" cy="2584449"/>
           </a:xfrm>
         </p:spPr>
         <p:txBody>
-          <a:bodyPr anchor="t">
+          <a:bodyPr>
             <a:normAutofit/>
           </a:bodyPr>
           <a:lstStyle>
-            <a:lvl1pPr marL="0" indent="0" algn="ctr">
-              <a:buNone/>
-              <a:defRPr sz="1600"/>
+            <a:lvl1pPr marL="0" indent="0">
+              <a:buNone/>
+              <a:defRPr sz="1400"/>
             </a:lvl1pPr>
-            <a:lvl2pPr marL="457200" indent="0">
+            <a:lvl2pPr marL="457063" indent="0">
+              <a:buNone/>
+              <a:defRPr sz="1400"/>
+            </a:lvl2pPr>
+            <a:lvl3pPr marL="914126" indent="0">
               <a:buNone/>
               <a:defRPr sz="1200"/>
-            </a:lvl2pPr>
-            <a:lvl3pPr marL="914400" indent="0">
+            </a:lvl3pPr>
+            <a:lvl4pPr marL="1371189" indent="0">
               <a:buNone/>
               <a:defRPr sz="1000"/>
-            </a:lvl3pPr>
-            <a:lvl4pPr marL="1371600" indent="0">
-              <a:buNone/>
-              <a:defRPr sz="900"/>
             </a:lvl4pPr>
-            <a:lvl5pPr marL="1828800" indent="0">
-              <a:buNone/>
-              <a:defRPr sz="900"/>
+            <a:lvl5pPr marL="1828251" indent="0">
+              <a:buNone/>
+              <a:defRPr sz="1000"/>
             </a:lvl5pPr>
-            <a:lvl6pPr marL="2286000" indent="0">
-              <a:buNone/>
-              <a:defRPr sz="900"/>
+            <a:lvl6pPr marL="2285314" indent="0">
+              <a:buNone/>
+              <a:defRPr sz="1000"/>
             </a:lvl6pPr>
-            <a:lvl7pPr marL="2743200" indent="0">
-              <a:buNone/>
-              <a:defRPr sz="900"/>
+            <a:lvl7pPr marL="2742377" indent="0">
+              <a:buNone/>
+              <a:defRPr sz="1000"/>
             </a:lvl7pPr>
-            <a:lvl8pPr marL="3200400" indent="0">
-              <a:buNone/>
-              <a:defRPr sz="900"/>
+            <a:lvl8pPr marL="3199440" indent="0">
+              <a:buNone/>
+              <a:defRPr sz="1000"/>
             </a:lvl8pPr>
-            <a:lvl9pPr marL="3657600" indent="0">
-              <a:buNone/>
-              <a:defRPr sz="900"/>
+            <a:lvl9pPr marL="3656503" indent="0">
+              <a:buNone/>
+              <a:defRPr sz="1000"/>
             </a:lvl9pPr>
           </a:lstStyle>
           <a:p>
@@ -4715,41 +4352,10 @@
           </a:p>
         </p:txBody>
       </p:sp>
-      <p:cxnSp>
-        <p:nvCxnSpPr>
-          <p:cNvPr id="16" name="Straight Connector 15"/>
-          <p:cNvCxnSpPr/>
-          <p:nvPr/>
-        </p:nvCxnSpPr>
-        <p:spPr>
-          <a:xfrm>
-            <a:off x="1396169" y="2912533"/>
-            <a:ext cx="3514498" cy="0"/>
-          </a:xfrm>
-          <a:prstGeom prst="line">
-            <a:avLst/>
-          </a:prstGeom>
-          <a:ln w="15875"/>
-        </p:spPr>
-        <p:style>
-          <a:lnRef idx="2">
-            <a:schemeClr val="accent1"/>
-          </a:lnRef>
-          <a:fillRef idx="0">
-            <a:schemeClr val="accent1"/>
-          </a:fillRef>
-          <a:effectRef idx="1">
-            <a:schemeClr val="accent1"/>
-          </a:effectRef>
-          <a:fontRef idx="minor">
-            <a:schemeClr val="tx1"/>
-          </a:fontRef>
-        </p:style>
-      </p:cxnSp>
     </p:spTree>
     <p:extLst>
       <p:ext uri="{BB962C8B-B14F-4D97-AF65-F5344CB8AC3E}">
-        <p14:creationId xmlns:p14="http://schemas.microsoft.com/office/powerpoint/2010/main" val="1427184540"/>
+        <p14:creationId xmlns:p14="http://schemas.microsoft.com/office/powerpoint/2010/main" val="800733747"/>
       </p:ext>
     </p:extLst>
   </p:cSld>
@@ -4788,8 +4394,8 @@
         </p:nvSpPr>
         <p:spPr>
           <a:xfrm>
-            <a:off x="1295399" y="1883832"/>
-            <a:ext cx="6241816" cy="1371600"/>
+            <a:off x="677334" y="4800600"/>
+            <a:ext cx="8596667" cy="566738"/>
           </a:xfrm>
         </p:spPr>
         <p:txBody>
@@ -4797,8 +4403,8 @@
             <a:normAutofit/>
           </a:bodyPr>
           <a:lstStyle>
-            <a:lvl1pPr algn="ctr">
-              <a:defRPr sz="2800" b="0"/>
+            <a:lvl1pPr algn="l">
+              <a:defRPr sz="2400" b="0"/>
             </a:lvl1pPr>
           </a:lstStyle>
           <a:p>
@@ -4812,7 +4418,7 @@
       </p:sp>
       <p:sp>
         <p:nvSpPr>
-          <p:cNvPr id="17" name="Picture Placeholder 2"/>
+          <p:cNvPr id="3" name="Picture Placeholder 2"/>
           <p:cNvSpPr>
             <a:spLocks noGrp="1" noChangeAspect="1"/>
           </p:cNvSpPr>
@@ -4822,30 +4428,9 @@
         </p:nvSpPr>
         <p:spPr>
           <a:xfrm>
-            <a:off x="8094831" y="1041400"/>
-            <a:ext cx="3063347" cy="4775200"/>
+            <a:off x="677334" y="609600"/>
+            <a:ext cx="8596668" cy="3845718"/>
           </a:xfrm>
-          <a:prstGeom prst="roundRect">
-            <a:avLst>
-              <a:gd name="adj" fmla="val 0"/>
-            </a:avLst>
-          </a:prstGeom>
-          <a:ln w="57150" cmpd="thickThin">
-            <a:solidFill>
-              <a:schemeClr val="tx1">
-                <a:lumMod val="50000"/>
-                <a:lumOff val="50000"/>
-              </a:schemeClr>
-            </a:solidFill>
-            <a:miter lim="800000"/>
-          </a:ln>
-          <a:effectLst>
-            <a:innerShdw blurRad="57150" dist="38100" dir="14460000">
-              <a:srgbClr val="000000">
-                <a:alpha val="70000"/>
-              </a:srgbClr>
-            </a:innerShdw>
-          </a:effectLst>
         </p:spPr>
         <p:txBody>
           <a:bodyPr anchor="t">
@@ -4910,18 +4495,18 @@
         </p:nvSpPr>
         <p:spPr>
           <a:xfrm>
-            <a:off x="1295399" y="3255432"/>
-            <a:ext cx="6241816" cy="1828800"/>
+            <a:off x="677334" y="5367338"/>
+            <a:ext cx="8596667" cy="674024"/>
           </a:xfrm>
         </p:spPr>
         <p:txBody>
-          <a:bodyPr anchor="t">
+          <a:bodyPr>
             <a:normAutofit/>
           </a:bodyPr>
           <a:lstStyle>
-            <a:lvl1pPr marL="0" indent="0" algn="ctr">
-              <a:buNone/>
-              <a:defRPr sz="1800"/>
+            <a:lvl1pPr marL="0" indent="0">
+              <a:buNone/>
+              <a:defRPr sz="1200"/>
             </a:lvl1pPr>
             <a:lvl2pPr marL="457200" indent="0">
               <a:buNone/>
@@ -5033,7 +4618,7 @@
     </p:spTree>
     <p:extLst>
       <p:ext uri="{BB962C8B-B14F-4D97-AF65-F5344CB8AC3E}">
-        <p14:creationId xmlns:p14="http://schemas.microsoft.com/office/powerpoint/2010/main" val="3912287119"/>
+        <p14:creationId xmlns:p14="http://schemas.microsoft.com/office/powerpoint/2010/main" val="1793834185"/>
       </p:ext>
     </p:extLst>
   </p:cSld>
@@ -5047,7 +4632,7 @@
 <p:sldMaster xmlns:a="http://schemas.openxmlformats.org/drawingml/2006/main" xmlns:r="http://schemas.openxmlformats.org/officeDocument/2006/relationships" xmlns:p="http://schemas.openxmlformats.org/presentationml/2006/main">
   <p:cSld>
     <p:bg>
-      <p:bgRef idx="1003">
+      <p:bgRef idx="1001">
         <a:schemeClr val="bg1"/>
       </p:bgRef>
     </p:bg>
@@ -5073,60 +4658,133 @@
         </p:nvGrpSpPr>
         <p:grpSpPr>
           <a:xfrm>
-            <a:off x="-15736" y="0"/>
-            <a:ext cx="12229962" cy="6856214"/>
-            <a:chOff x="-15736" y="0"/>
-            <a:chExt cx="12229962" cy="6856214"/>
+            <a:off x="0" y="-8467"/>
+            <a:ext cx="12192000" cy="6866467"/>
+            <a:chOff x="0" y="-8467"/>
+            <a:chExt cx="12192000" cy="6866467"/>
           </a:xfrm>
         </p:grpSpPr>
-        <p:pic>
-          <p:nvPicPr>
-            <p:cNvPr id="8" name="Picture 7" descr="HD-PanelContent.png"/>
-            <p:cNvPicPr>
-              <a:picLocks noChangeAspect="1"/>
-            </p:cNvPicPr>
+        <p:cxnSp>
+          <p:nvCxnSpPr>
+            <p:cNvPr id="20" name="Straight Connector 19"/>
+            <p:cNvCxnSpPr/>
             <p:nvPr/>
-          </p:nvPicPr>
-          <p:blipFill>
-            <a:blip r:embed="rId19">
-              <a:extLst>
-                <a:ext uri="{28A0092B-C50C-407E-A947-70E740481C1C}">
-                  <a14:useLocalDpi xmlns:a14="http://schemas.microsoft.com/office/drawing/2010/main" val="0"/>
-                </a:ext>
-              </a:extLst>
-            </a:blip>
-            <a:stretch>
-              <a:fillRect/>
-            </a:stretch>
-          </p:blipFill>
+          </p:nvCxnSpPr>
           <p:spPr>
             <a:xfrm>
-              <a:off x="0" y="0"/>
-              <a:ext cx="12188825" cy="6856214"/>
+              <a:off x="9371012" y="0"/>
+              <a:ext cx="1219200" cy="6858000"/>
             </a:xfrm>
-            <a:prstGeom prst="rect">
+            <a:prstGeom prst="line">
               <a:avLst/>
             </a:prstGeom>
+            <a:ln w="9525">
+              <a:solidFill>
+                <a:schemeClr val="bg1">
+                  <a:lumMod val="75000"/>
+                </a:schemeClr>
+              </a:solidFill>
+            </a:ln>
           </p:spPr>
-        </p:pic>
+          <p:style>
+            <a:lnRef idx="2">
+              <a:schemeClr val="accent1"/>
+            </a:lnRef>
+            <a:fillRef idx="0">
+              <a:schemeClr val="accent1"/>
+            </a:fillRef>
+            <a:effectRef idx="1">
+              <a:schemeClr val="accent1"/>
+            </a:effectRef>
+            <a:fontRef idx="minor">
+              <a:schemeClr val="tx1"/>
+            </a:fontRef>
+          </p:style>
+        </p:cxnSp>
+        <p:cxnSp>
+          <p:nvCxnSpPr>
+            <p:cNvPr id="21" name="Straight Connector 20"/>
+            <p:cNvCxnSpPr/>
+            <p:nvPr/>
+          </p:nvCxnSpPr>
+          <p:spPr>
+            <a:xfrm flipH="1">
+              <a:off x="7425267" y="3681413"/>
+              <a:ext cx="4763558" cy="3176587"/>
+            </a:xfrm>
+            <a:prstGeom prst="line">
+              <a:avLst/>
+            </a:prstGeom>
+            <a:ln w="9525">
+              <a:solidFill>
+                <a:schemeClr val="bg1">
+                  <a:lumMod val="85000"/>
+                </a:schemeClr>
+              </a:solidFill>
+            </a:ln>
+          </p:spPr>
+          <p:style>
+            <a:lnRef idx="2">
+              <a:schemeClr val="accent1"/>
+            </a:lnRef>
+            <a:fillRef idx="0">
+              <a:schemeClr val="accent1"/>
+            </a:fillRef>
+            <a:effectRef idx="1">
+              <a:schemeClr val="accent1"/>
+            </a:effectRef>
+            <a:fontRef idx="minor">
+              <a:schemeClr val="tx1"/>
+            </a:fontRef>
+          </p:style>
+        </p:cxnSp>
         <p:sp>
           <p:nvSpPr>
-            <p:cNvPr id="9" name="Rectangle 8"/>
+            <p:cNvPr id="22" name="Rectangle 23"/>
             <p:cNvSpPr/>
             <p:nvPr/>
           </p:nvSpPr>
           <p:spPr>
             <a:xfrm>
-              <a:off x="608012" y="609600"/>
-              <a:ext cx="10972800" cy="5638800"/>
+              <a:off x="9181476" y="-8467"/>
+              <a:ext cx="3007349" cy="6866467"/>
             </a:xfrm>
-            <a:prstGeom prst="rect">
+            <a:custGeom>
               <a:avLst/>
-            </a:prstGeom>
-            <a:noFill/>
-            <a:ln w="15875" cap="flat">
-              <a:miter lim="800000"/>
+              <a:gdLst/>
+              <a:ahLst/>
+              <a:cxnLst/>
+              <a:rect l="l" t="t" r="r" b="b"/>
+              <a:pathLst>
+                <a:path w="3007349" h="6866467">
+                  <a:moveTo>
+                    <a:pt x="2045532" y="0"/>
+                  </a:moveTo>
+                  <a:lnTo>
+                    <a:pt x="3007349" y="0"/>
+                  </a:lnTo>
+                  <a:lnTo>
+                    <a:pt x="3007349" y="6866467"/>
+                  </a:lnTo>
+                  <a:lnTo>
+                    <a:pt x="0" y="6866467"/>
+                  </a:lnTo>
+                  <a:lnTo>
+                    <a:pt x="2045532" y="0"/>
+                  </a:lnTo>
+                  <a:close/>
+                </a:path>
+              </a:pathLst>
+            </a:custGeom>
+            <a:solidFill>
+              <a:schemeClr val="accent1">
+                <a:alpha val="30000"/>
+              </a:schemeClr>
+            </a:solidFill>
+            <a:ln>
+              <a:noFill/>
             </a:ln>
+            <a:effectLst/>
           </p:spPr>
           <p:style>
             <a:lnRef idx="1">
@@ -5143,64 +4801,384 @@
             </a:fontRef>
           </p:style>
         </p:sp>
-        <p:pic>
-          <p:nvPicPr>
-            <p:cNvPr id="10" name="Picture 9" descr="HDRibbonContent-UniformTrim.png"/>
-            <p:cNvPicPr>
-              <a:picLocks noChangeAspect="1"/>
-            </p:cNvPicPr>
+        <p:sp>
+          <p:nvSpPr>
+            <p:cNvPr id="23" name="Rectangle 25"/>
+            <p:cNvSpPr/>
             <p:nvPr/>
-          </p:nvPicPr>
-          <p:blipFill rotWithShape="1">
-            <a:blip r:embed="rId20">
-              <a:extLst>
-                <a:ext uri="{28A0092B-C50C-407E-A947-70E740481C1C}">
-                  <a14:useLocalDpi xmlns:a14="http://schemas.microsoft.com/office/drawing/2010/main" val="0"/>
-                </a:ext>
-              </a:extLst>
-            </a:blip>
-            <a:srcRect/>
-            <a:stretch/>
-          </p:blipFill>
+          </p:nvSpPr>
           <p:spPr>
             <a:xfrm>
-              <a:off x="-15736" y="3153832"/>
-              <a:ext cx="777240" cy="606425"/>
+              <a:off x="9603442" y="-8467"/>
+              <a:ext cx="2588558" cy="6866467"/>
             </a:xfrm>
-            <a:prstGeom prst="rect">
+            <a:custGeom>
               <a:avLst/>
-            </a:prstGeom>
+              <a:gdLst/>
+              <a:ahLst/>
+              <a:cxnLst/>
+              <a:rect l="l" t="t" r="r" b="b"/>
+              <a:pathLst>
+                <a:path w="2573311" h="6866467">
+                  <a:moveTo>
+                    <a:pt x="0" y="0"/>
+                  </a:moveTo>
+                  <a:lnTo>
+                    <a:pt x="2573311" y="0"/>
+                  </a:lnTo>
+                  <a:lnTo>
+                    <a:pt x="2573311" y="6866467"/>
+                  </a:lnTo>
+                  <a:lnTo>
+                    <a:pt x="1202336" y="6866467"/>
+                  </a:lnTo>
+                  <a:lnTo>
+                    <a:pt x="0" y="0"/>
+                  </a:lnTo>
+                  <a:close/>
+                </a:path>
+              </a:pathLst>
+            </a:custGeom>
+            <a:solidFill>
+              <a:schemeClr val="accent1">
+                <a:alpha val="20000"/>
+              </a:schemeClr>
+            </a:solidFill>
+            <a:ln>
+              <a:noFill/>
+            </a:ln>
+            <a:effectLst/>
           </p:spPr>
-        </p:pic>
-        <p:pic>
-          <p:nvPicPr>
-            <p:cNvPr id="11" name="Picture 10" descr="HDRibbonContent-UniformTrim.png"/>
-            <p:cNvPicPr>
-              <a:picLocks noChangeAspect="1"/>
-            </p:cNvPicPr>
+          <p:style>
+            <a:lnRef idx="1">
+              <a:schemeClr val="accent1"/>
+            </a:lnRef>
+            <a:fillRef idx="3">
+              <a:schemeClr val="accent1"/>
+            </a:fillRef>
+            <a:effectRef idx="2">
+              <a:schemeClr val="accent1"/>
+            </a:effectRef>
+            <a:fontRef idx="minor">
+              <a:schemeClr val="lt1"/>
+            </a:fontRef>
+          </p:style>
+        </p:sp>
+        <p:sp>
+          <p:nvSpPr>
+            <p:cNvPr id="24" name="Isosceles Triangle 23"/>
+            <p:cNvSpPr/>
             <p:nvPr/>
-          </p:nvPicPr>
-          <p:blipFill rotWithShape="1">
-            <a:blip r:embed="rId20">
-              <a:extLst>
-                <a:ext uri="{28A0092B-C50C-407E-A947-70E740481C1C}">
-                  <a14:useLocalDpi xmlns:a14="http://schemas.microsoft.com/office/drawing/2010/main" val="0"/>
-                </a:ext>
-              </a:extLst>
-            </a:blip>
-            <a:srcRect/>
-            <a:stretch/>
-          </p:blipFill>
+          </p:nvSpPr>
           <p:spPr>
             <a:xfrm>
-              <a:off x="11436986" y="3153832"/>
-              <a:ext cx="777240" cy="606425"/>
+              <a:off x="8932333" y="3048000"/>
+              <a:ext cx="3259667" cy="3810000"/>
             </a:xfrm>
-            <a:prstGeom prst="rect">
+            <a:prstGeom prst="triangle">
+              <a:avLst>
+                <a:gd name="adj" fmla="val 100000"/>
+              </a:avLst>
+            </a:prstGeom>
+            <a:solidFill>
+              <a:schemeClr val="accent2">
+                <a:alpha val="72000"/>
+              </a:schemeClr>
+            </a:solidFill>
+            <a:ln>
+              <a:noFill/>
+            </a:ln>
+            <a:effectLst/>
+          </p:spPr>
+          <p:style>
+            <a:lnRef idx="1">
+              <a:schemeClr val="accent1"/>
+            </a:lnRef>
+            <a:fillRef idx="3">
+              <a:schemeClr val="accent1"/>
+            </a:fillRef>
+            <a:effectRef idx="2">
+              <a:schemeClr val="accent1"/>
+            </a:effectRef>
+            <a:fontRef idx="minor">
+              <a:schemeClr val="lt1"/>
+            </a:fontRef>
+          </p:style>
+        </p:sp>
+        <p:sp>
+          <p:nvSpPr>
+            <p:cNvPr id="25" name="Rectangle 27"/>
+            <p:cNvSpPr/>
+            <p:nvPr/>
+          </p:nvSpPr>
+          <p:spPr>
+            <a:xfrm>
+              <a:off x="9334500" y="-8467"/>
+              <a:ext cx="2854326" cy="6866467"/>
+            </a:xfrm>
+            <a:custGeom>
               <a:avLst/>
+              <a:gdLst/>
+              <a:ahLst/>
+              <a:cxnLst/>
+              <a:rect l="l" t="t" r="r" b="b"/>
+              <a:pathLst>
+                <a:path w="2858013" h="6866467">
+                  <a:moveTo>
+                    <a:pt x="0" y="0"/>
+                  </a:moveTo>
+                  <a:lnTo>
+                    <a:pt x="2858013" y="0"/>
+                  </a:lnTo>
+                  <a:lnTo>
+                    <a:pt x="2858013" y="6866467"/>
+                  </a:lnTo>
+                  <a:lnTo>
+                    <a:pt x="2473942" y="6866467"/>
+                  </a:lnTo>
+                  <a:lnTo>
+                    <a:pt x="0" y="0"/>
+                  </a:lnTo>
+                  <a:close/>
+                </a:path>
+              </a:pathLst>
+            </a:custGeom>
+            <a:solidFill>
+              <a:schemeClr val="accent2">
+                <a:lumMod val="75000"/>
+                <a:alpha val="70000"/>
+              </a:schemeClr>
+            </a:solidFill>
+            <a:ln>
+              <a:noFill/>
+            </a:ln>
+            <a:effectLst/>
+          </p:spPr>
+          <p:style>
+            <a:lnRef idx="1">
+              <a:schemeClr val="accent1"/>
+            </a:lnRef>
+            <a:fillRef idx="3">
+              <a:schemeClr val="accent1"/>
+            </a:fillRef>
+            <a:effectRef idx="2">
+              <a:schemeClr val="accent1"/>
+            </a:effectRef>
+            <a:fontRef idx="minor">
+              <a:schemeClr val="lt1"/>
+            </a:fontRef>
+          </p:style>
+        </p:sp>
+        <p:sp>
+          <p:nvSpPr>
+            <p:cNvPr id="26" name="Rectangle 28"/>
+            <p:cNvSpPr/>
+            <p:nvPr/>
+          </p:nvSpPr>
+          <p:spPr>
+            <a:xfrm>
+              <a:off x="10898730" y="-8467"/>
+              <a:ext cx="1290094" cy="6866467"/>
+            </a:xfrm>
+            <a:custGeom>
+              <a:avLst/>
+              <a:gdLst/>
+              <a:ahLst/>
+              <a:cxnLst/>
+              <a:rect l="l" t="t" r="r" b="b"/>
+              <a:pathLst>
+                <a:path w="1290094" h="6858000">
+                  <a:moveTo>
+                    <a:pt x="1019735" y="0"/>
+                  </a:moveTo>
+                  <a:lnTo>
+                    <a:pt x="1290094" y="0"/>
+                  </a:lnTo>
+                  <a:lnTo>
+                    <a:pt x="1290094" y="6858000"/>
+                  </a:lnTo>
+                  <a:lnTo>
+                    <a:pt x="0" y="6858000"/>
+                  </a:lnTo>
+                  <a:lnTo>
+                    <a:pt x="1019735" y="0"/>
+                  </a:lnTo>
+                  <a:close/>
+                </a:path>
+              </a:pathLst>
+            </a:custGeom>
+            <a:solidFill>
+              <a:schemeClr val="accent1">
+                <a:lumMod val="60000"/>
+                <a:lumOff val="40000"/>
+                <a:alpha val="70000"/>
+              </a:schemeClr>
+            </a:solidFill>
+            <a:ln>
+              <a:noFill/>
+            </a:ln>
+            <a:effectLst/>
+          </p:spPr>
+          <p:style>
+            <a:lnRef idx="1">
+              <a:schemeClr val="accent1"/>
+            </a:lnRef>
+            <a:fillRef idx="3">
+              <a:schemeClr val="accent1"/>
+            </a:fillRef>
+            <a:effectRef idx="2">
+              <a:schemeClr val="accent1"/>
+            </a:effectRef>
+            <a:fontRef idx="minor">
+              <a:schemeClr val="lt1"/>
+            </a:fontRef>
+          </p:style>
+        </p:sp>
+        <p:sp>
+          <p:nvSpPr>
+            <p:cNvPr id="27" name="Rectangle 29"/>
+            <p:cNvSpPr/>
+            <p:nvPr/>
+          </p:nvSpPr>
+          <p:spPr>
+            <a:xfrm>
+              <a:off x="10938999" y="-8467"/>
+              <a:ext cx="1249825" cy="6866467"/>
+            </a:xfrm>
+            <a:custGeom>
+              <a:avLst/>
+              <a:gdLst/>
+              <a:ahLst/>
+              <a:cxnLst/>
+              <a:rect l="l" t="t" r="r" b="b"/>
+              <a:pathLst>
+                <a:path w="1249825" h="6858000">
+                  <a:moveTo>
+                    <a:pt x="0" y="0"/>
+                  </a:moveTo>
+                  <a:lnTo>
+                    <a:pt x="1249825" y="0"/>
+                  </a:lnTo>
+                  <a:lnTo>
+                    <a:pt x="1249825" y="6858000"/>
+                  </a:lnTo>
+                  <a:lnTo>
+                    <a:pt x="1109382" y="6858000"/>
+                  </a:lnTo>
+                  <a:lnTo>
+                    <a:pt x="0" y="0"/>
+                  </a:lnTo>
+                  <a:close/>
+                </a:path>
+              </a:pathLst>
+            </a:custGeom>
+            <a:solidFill>
+              <a:schemeClr val="accent1">
+                <a:alpha val="65000"/>
+              </a:schemeClr>
+            </a:solidFill>
+            <a:ln>
+              <a:noFill/>
+            </a:ln>
+            <a:effectLst/>
+          </p:spPr>
+          <p:style>
+            <a:lnRef idx="1">
+              <a:schemeClr val="accent1"/>
+            </a:lnRef>
+            <a:fillRef idx="3">
+              <a:schemeClr val="accent1"/>
+            </a:fillRef>
+            <a:effectRef idx="2">
+              <a:schemeClr val="accent1"/>
+            </a:effectRef>
+            <a:fontRef idx="minor">
+              <a:schemeClr val="lt1"/>
+            </a:fontRef>
+          </p:style>
+        </p:sp>
+        <p:sp>
+          <p:nvSpPr>
+            <p:cNvPr id="28" name="Isosceles Triangle 27"/>
+            <p:cNvSpPr/>
+            <p:nvPr/>
+          </p:nvSpPr>
+          <p:spPr>
+            <a:xfrm>
+              <a:off x="10371666" y="3589867"/>
+              <a:ext cx="1817159" cy="3268133"/>
+            </a:xfrm>
+            <a:prstGeom prst="triangle">
+              <a:avLst>
+                <a:gd name="adj" fmla="val 100000"/>
+              </a:avLst>
             </a:prstGeom>
+            <a:solidFill>
+              <a:schemeClr val="accent1">
+                <a:alpha val="80000"/>
+              </a:schemeClr>
+            </a:solidFill>
+            <a:ln>
+              <a:noFill/>
+            </a:ln>
+            <a:effectLst/>
           </p:spPr>
-        </p:pic>
+          <p:style>
+            <a:lnRef idx="1">
+              <a:schemeClr val="accent1"/>
+            </a:lnRef>
+            <a:fillRef idx="3">
+              <a:schemeClr val="accent1"/>
+            </a:fillRef>
+            <a:effectRef idx="2">
+              <a:schemeClr val="accent1"/>
+            </a:effectRef>
+            <a:fontRef idx="minor">
+              <a:schemeClr val="lt1"/>
+            </a:fontRef>
+          </p:style>
+        </p:sp>
+        <p:sp>
+          <p:nvSpPr>
+            <p:cNvPr id="29" name="Isosceles Triangle 28"/>
+            <p:cNvSpPr/>
+            <p:nvPr/>
+          </p:nvSpPr>
+          <p:spPr>
+            <a:xfrm>
+              <a:off x="0" y="4013200"/>
+              <a:ext cx="448733" cy="2844800"/>
+            </a:xfrm>
+            <a:prstGeom prst="triangle">
+              <a:avLst>
+                <a:gd name="adj" fmla="val 0"/>
+              </a:avLst>
+            </a:prstGeom>
+            <a:solidFill>
+              <a:schemeClr val="accent1">
+                <a:alpha val="85000"/>
+              </a:schemeClr>
+            </a:solidFill>
+            <a:ln>
+              <a:noFill/>
+            </a:ln>
+            <a:effectLst/>
+          </p:spPr>
+          <p:style>
+            <a:lnRef idx="1">
+              <a:schemeClr val="accent1"/>
+            </a:lnRef>
+            <a:fillRef idx="3">
+              <a:schemeClr val="accent1"/>
+            </a:fillRef>
+            <a:effectRef idx="2">
+              <a:schemeClr val="accent1"/>
+            </a:effectRef>
+            <a:fontRef idx="minor">
+              <a:schemeClr val="lt1"/>
+            </a:fontRef>
+          </p:style>
+        </p:sp>
       </p:grpSp>
       <p:sp>
         <p:nvSpPr>
@@ -5214,42 +5192,8 @@
         </p:nvSpPr>
         <p:spPr>
           <a:xfrm>
-            <a:off x="1295402" y="982132"/>
-            <a:ext cx="9601196" cy="1303867"/>
-          </a:xfrm>
-          <a:prstGeom prst="rect">
-            <a:avLst/>
-          </a:prstGeom>
-          <a:effectLst/>
-        </p:spPr>
-        <p:txBody>
-          <a:bodyPr vert="horz" lIns="91440" tIns="45720" rIns="91440" bIns="45720" rtlCol="0" anchor="ctr">
-            <a:normAutofit/>
-          </a:bodyPr>
-          <a:lstStyle/>
-          <a:p>
-            <a:r>
-              <a:rPr lang="en-US"/>
-              <a:t>Click to edit Master title style</a:t>
-            </a:r>
-            <a:endParaRPr lang="en-US" dirty="0"/>
-          </a:p>
-        </p:txBody>
-      </p:sp>
-      <p:sp>
-        <p:nvSpPr>
-          <p:cNvPr id="3" name="Text Placeholder 2"/>
-          <p:cNvSpPr>
-            <a:spLocks noGrp="1"/>
-          </p:cNvSpPr>
-          <p:nvPr>
-            <p:ph type="body" idx="1"/>
-          </p:nvPr>
-        </p:nvSpPr>
-        <p:spPr>
-          <a:xfrm>
-            <a:off x="1295401" y="2556932"/>
-            <a:ext cx="9601196" cy="3318936"/>
+            <a:off x="677334" y="609600"/>
+            <a:ext cx="8596668" cy="1320800"/>
           </a:xfrm>
           <a:prstGeom prst="rect">
             <a:avLst/>
@@ -5261,38 +5205,9 @@
           </a:bodyPr>
           <a:lstStyle/>
           <a:p>
-            <a:pPr lvl="0"/>
-            <a:r>
-              <a:rPr lang="en-US"/>
-              <a:t>Click to edit Master text styles</a:t>
-            </a:r>
-          </a:p>
-          <a:p>
-            <a:pPr lvl="1"/>
-            <a:r>
-              <a:rPr lang="en-US"/>
-              <a:t>Second level</a:t>
-            </a:r>
-          </a:p>
-          <a:p>
-            <a:pPr lvl="2"/>
-            <a:r>
-              <a:rPr lang="en-US"/>
-              <a:t>Third level</a:t>
-            </a:r>
-          </a:p>
-          <a:p>
-            <a:pPr lvl="3"/>
-            <a:r>
-              <a:rPr lang="en-US"/>
-              <a:t>Fourth level</a:t>
-            </a:r>
-          </a:p>
-          <a:p>
-            <a:pPr lvl="4"/>
-            <a:r>
-              <a:rPr lang="en-US"/>
-              <a:t>Fifth level</a:t>
+            <a:r>
+              <a:rPr lang="en-US"/>
+              <a:t>Click to edit Master title style</a:t>
             </a:r>
             <a:endParaRPr lang="en-US" dirty="0"/>
           </a:p>
@@ -5300,33 +5215,95 @@
       </p:sp>
       <p:sp>
         <p:nvSpPr>
-          <p:cNvPr id="4" name="Date Placeholder 3"/>
-          <p:cNvSpPr>
-            <a:spLocks noGrp="1"/>
-          </p:cNvSpPr>
-          <p:nvPr>
-            <p:ph type="dt" sz="half" idx="2"/>
+          <p:cNvPr id="3" name="Text Placeholder 2"/>
+          <p:cNvSpPr>
+            <a:spLocks noGrp="1"/>
+          </p:cNvSpPr>
+          <p:nvPr>
+            <p:ph type="body" idx="1"/>
           </p:nvPr>
         </p:nvSpPr>
         <p:spPr>
           <a:xfrm>
-            <a:off x="8677501" y="5969000"/>
-            <a:ext cx="1600200" cy="279400"/>
+            <a:off x="677334" y="2160589"/>
+            <a:ext cx="8596668" cy="3880773"/>
           </a:xfrm>
           <a:prstGeom prst="rect">
             <a:avLst/>
           </a:prstGeom>
         </p:spPr>
         <p:txBody>
+          <a:bodyPr vert="horz" lIns="91440" tIns="45720" rIns="91440" bIns="45720" rtlCol="0">
+            <a:normAutofit/>
+          </a:bodyPr>
+          <a:lstStyle/>
+          <a:p>
+            <a:pPr lvl="0"/>
+            <a:r>
+              <a:rPr lang="en-US"/>
+              <a:t>Click to edit Master text styles</a:t>
+            </a:r>
+          </a:p>
+          <a:p>
+            <a:pPr lvl="1"/>
+            <a:r>
+              <a:rPr lang="en-US"/>
+              <a:t>Second level</a:t>
+            </a:r>
+          </a:p>
+          <a:p>
+            <a:pPr lvl="2"/>
+            <a:r>
+              <a:rPr lang="en-US"/>
+              <a:t>Third level</a:t>
+            </a:r>
+          </a:p>
+          <a:p>
+            <a:pPr lvl="3"/>
+            <a:r>
+              <a:rPr lang="en-US"/>
+              <a:t>Fourth level</a:t>
+            </a:r>
+          </a:p>
+          <a:p>
+            <a:pPr lvl="4"/>
+            <a:r>
+              <a:rPr lang="en-US"/>
+              <a:t>Fifth level</a:t>
+            </a:r>
+            <a:endParaRPr lang="en-US" dirty="0"/>
+          </a:p>
+        </p:txBody>
+      </p:sp>
+      <p:sp>
+        <p:nvSpPr>
+          <p:cNvPr id="4" name="Date Placeholder 3"/>
+          <p:cNvSpPr>
+            <a:spLocks noGrp="1"/>
+          </p:cNvSpPr>
+          <p:nvPr>
+            <p:ph type="dt" sz="half" idx="2"/>
+          </p:nvPr>
+        </p:nvSpPr>
+        <p:spPr>
+          <a:xfrm>
+            <a:off x="7205133" y="6041362"/>
+            <a:ext cx="911939" cy="365125"/>
+          </a:xfrm>
+          <a:prstGeom prst="rect">
+            <a:avLst/>
+          </a:prstGeom>
+        </p:spPr>
+        <p:txBody>
           <a:bodyPr vert="horz" lIns="91440" tIns="45720" rIns="91440" bIns="45720" rtlCol="0" anchor="ctr"/>
           <a:lstStyle>
             <a:lvl1pPr algn="r">
-              <a:defRPr sz="1000" b="0" i="0">
-                <a:solidFill>
-                  <a:schemeClr val="tx1"/>
-                </a:solidFill>
-                <a:effectLst/>
-                <a:latin typeface="+mn-lt"/>
+              <a:defRPr sz="900">
+                <a:solidFill>
+                  <a:schemeClr val="tx1">
+                    <a:tint val="75000"/>
+                  </a:schemeClr>
+                </a:solidFill>
               </a:defRPr>
             </a:lvl1pPr>
           </a:lstStyle>
@@ -5351,8 +5328,8 @@
         </p:nvSpPr>
         <p:spPr>
           <a:xfrm>
-            <a:off x="1295401" y="5969000"/>
-            <a:ext cx="7305900" cy="279400"/>
+            <a:off x="677334" y="6041362"/>
+            <a:ext cx="6297612" cy="365125"/>
           </a:xfrm>
           <a:prstGeom prst="rect">
             <a:avLst/>
@@ -5362,12 +5339,12 @@
           <a:bodyPr vert="horz" lIns="91440" tIns="45720" rIns="91440" bIns="45720" rtlCol="0" anchor="ctr"/>
           <a:lstStyle>
             <a:lvl1pPr algn="l">
-              <a:defRPr sz="1000" b="0" i="0">
-                <a:solidFill>
-                  <a:schemeClr val="tx1"/>
-                </a:solidFill>
-                <a:effectLst/>
-                <a:latin typeface="+mn-lt"/>
+              <a:defRPr sz="900">
+                <a:solidFill>
+                  <a:schemeClr val="tx1">
+                    <a:tint val="75000"/>
+                  </a:schemeClr>
+                </a:solidFill>
               </a:defRPr>
             </a:lvl1pPr>
           </a:lstStyle>
@@ -5388,8 +5365,8 @@
         </p:nvSpPr>
         <p:spPr>
           <a:xfrm>
-            <a:off x="10353901" y="5969000"/>
-            <a:ext cx="542697" cy="279400"/>
+            <a:off x="8590663" y="6041362"/>
+            <a:ext cx="683339" cy="365125"/>
           </a:xfrm>
           <a:prstGeom prst="rect">
             <a:avLst/>
@@ -5399,12 +5376,10 @@
           <a:bodyPr vert="horz" lIns="91440" tIns="45720" rIns="91440" bIns="45720" rtlCol="0" anchor="ctr"/>
           <a:lstStyle>
             <a:lvl1pPr algn="r">
-              <a:defRPr sz="1000" b="0" i="0">
-                <a:solidFill>
-                  <a:schemeClr val="tx1"/>
-                </a:solidFill>
-                <a:effectLst/>
-                <a:latin typeface="+mn-lt"/>
+              <a:defRPr sz="900">
+                <a:solidFill>
+                  <a:schemeClr val="accent1"/>
+                </a:solidFill>
               </a:defRPr>
             </a:lvl1pPr>
           </a:lstStyle>
@@ -5420,48 +5395,40 @@
     </p:spTree>
     <p:extLst>
       <p:ext uri="{BB962C8B-B14F-4D97-AF65-F5344CB8AC3E}">
-        <p14:creationId xmlns:p14="http://schemas.microsoft.com/office/powerpoint/2010/main" val="2661941512"/>
+        <p14:creationId xmlns:p14="http://schemas.microsoft.com/office/powerpoint/2010/main" val="3667853746"/>
       </p:ext>
     </p:extLst>
   </p:cSld>
   <p:clrMap bg1="lt1" tx1="dk1" bg2="lt2" tx2="dk2" accent1="accent1" accent2="accent2" accent3="accent3" accent4="accent4" accent5="accent5" accent6="accent6" hlink="hlink" folHlink="folHlink"/>
   <p:sldLayoutIdLst>
-    <p:sldLayoutId id="2147483726" r:id="rId1"/>
-    <p:sldLayoutId id="2147483727" r:id="rId2"/>
-    <p:sldLayoutId id="2147483728" r:id="rId3"/>
-    <p:sldLayoutId id="2147483729" r:id="rId4"/>
-    <p:sldLayoutId id="2147483730" r:id="rId5"/>
-    <p:sldLayoutId id="2147483731" r:id="rId6"/>
-    <p:sldLayoutId id="2147483732" r:id="rId7"/>
-    <p:sldLayoutId id="2147483733" r:id="rId8"/>
-    <p:sldLayoutId id="2147483734" r:id="rId9"/>
-    <p:sldLayoutId id="2147483735" r:id="rId10"/>
-    <p:sldLayoutId id="2147483736" r:id="rId11"/>
-    <p:sldLayoutId id="2147483737" r:id="rId12"/>
-    <p:sldLayoutId id="2147483738" r:id="rId13"/>
-    <p:sldLayoutId id="2147483739" r:id="rId14"/>
-    <p:sldLayoutId id="2147483740" r:id="rId15"/>
-    <p:sldLayoutId id="2147483741" r:id="rId16"/>
-    <p:sldLayoutId id="2147483742" r:id="rId17"/>
+    <p:sldLayoutId id="2147483691" r:id="rId1"/>
+    <p:sldLayoutId id="2147483692" r:id="rId2"/>
+    <p:sldLayoutId id="2147483693" r:id="rId3"/>
+    <p:sldLayoutId id="2147483694" r:id="rId4"/>
+    <p:sldLayoutId id="2147483695" r:id="rId5"/>
+    <p:sldLayoutId id="2147483696" r:id="rId6"/>
+    <p:sldLayoutId id="2147483697" r:id="rId7"/>
+    <p:sldLayoutId id="2147483698" r:id="rId8"/>
+    <p:sldLayoutId id="2147483699" r:id="rId9"/>
+    <p:sldLayoutId id="2147483700" r:id="rId10"/>
+    <p:sldLayoutId id="2147483701" r:id="rId11"/>
+    <p:sldLayoutId id="2147483702" r:id="rId12"/>
+    <p:sldLayoutId id="2147483703" r:id="rId13"/>
+    <p:sldLayoutId id="2147483704" r:id="rId14"/>
+    <p:sldLayoutId id="2147483705" r:id="rId15"/>
+    <p:sldLayoutId id="2147483706" r:id="rId16"/>
   </p:sldLayoutIdLst>
   <p:txStyles>
     <p:titleStyle>
-      <a:lvl1pPr algn="ctr" defTabSz="457200" rtl="0" eaLnBrk="1" latinLnBrk="0" hangingPunct="1">
+      <a:lvl1pPr algn="l" defTabSz="457200" rtl="0" eaLnBrk="1" latinLnBrk="0" hangingPunct="1">
         <a:spcBef>
           <a:spcPct val="0"/>
         </a:spcBef>
         <a:buNone/>
-        <a:defRPr sz="4400" kern="1200" cap="none">
-          <a:ln w="3175" cmpd="sng">
-            <a:noFill/>
-          </a:ln>
+        <a:defRPr sz="3600" kern="1200">
           <a:solidFill>
-            <a:schemeClr val="tx1">
-              <a:lumMod val="85000"/>
-              <a:lumOff val="15000"/>
-            </a:schemeClr>
+            <a:schemeClr val="accent1"/>
           </a:solidFill>
-          <a:effectLst/>
           <a:latin typeface="+mj-lt"/>
           <a:ea typeface="+mj-ea"/>
           <a:cs typeface="+mj-cs"/>
@@ -5525,27 +5492,26 @@
       </a:lvl9pPr>
     </p:titleStyle>
     <p:bodyStyle>
-      <a:lvl1pPr marL="285750" indent="-285750" algn="l" defTabSz="457200" rtl="0" eaLnBrk="1" latinLnBrk="0" hangingPunct="1">
+      <a:lvl1pPr marL="342900" indent="-342900" algn="l" defTabSz="457200" rtl="0" eaLnBrk="1" latinLnBrk="0" hangingPunct="1">
         <a:spcBef>
-          <a:spcPct val="20000"/>
+          <a:spcPts val="1000"/>
         </a:spcBef>
         <a:spcAft>
-          <a:spcPts val="600"/>
+          <a:spcPts val="0"/>
         </a:spcAft>
         <a:buClr>
           <a:schemeClr val="accent1"/>
         </a:buClr>
-        <a:buSzPct val="115000"/>
-        <a:buFont typeface="Arial"/>
-        <a:buChar char="•"/>
-        <a:defRPr sz="2400" kern="1200" cap="none">
+        <a:buSzPct val="80000"/>
+        <a:buFont typeface="Wingdings 3" charset="2"/>
+        <a:buChar char=""/>
+        <a:defRPr sz="1800" kern="1200">
           <a:solidFill>
             <a:schemeClr val="tx1">
-              <a:lumMod val="85000"/>
-              <a:lumOff val="15000"/>
+              <a:lumMod val="75000"/>
+              <a:lumOff val="25000"/>
             </a:schemeClr>
           </a:solidFill>
-          <a:effectLst/>
           <a:latin typeface="+mn-lt"/>
           <a:ea typeface="+mn-ea"/>
           <a:cs typeface="+mn-cs"/>
@@ -5553,103 +5519,99 @@
       </a:lvl1pPr>
       <a:lvl2pPr marL="742950" indent="-285750" algn="l" defTabSz="457200" rtl="0" eaLnBrk="1" latinLnBrk="0" hangingPunct="1">
         <a:spcBef>
-          <a:spcPct val="20000"/>
+          <a:spcPts val="1000"/>
         </a:spcBef>
         <a:spcAft>
-          <a:spcPts val="600"/>
+          <a:spcPts val="0"/>
         </a:spcAft>
         <a:buClr>
           <a:schemeClr val="accent1"/>
         </a:buClr>
-        <a:buSzPct val="115000"/>
-        <a:buFont typeface="Arial"/>
-        <a:buChar char="•"/>
-        <a:defRPr sz="2000" kern="1200" cap="none">
+        <a:buSzPct val="80000"/>
+        <a:buFont typeface="Wingdings 3" charset="2"/>
+        <a:buChar char=""/>
+        <a:defRPr sz="1600" kern="1200">
           <a:solidFill>
             <a:schemeClr val="tx1">
-              <a:lumMod val="85000"/>
-              <a:lumOff val="15000"/>
+              <a:lumMod val="75000"/>
+              <a:lumOff val="25000"/>
             </a:schemeClr>
           </a:solidFill>
-          <a:effectLst/>
           <a:latin typeface="+mn-lt"/>
           <a:ea typeface="+mn-ea"/>
           <a:cs typeface="+mn-cs"/>
         </a:defRPr>
       </a:lvl2pPr>
-      <a:lvl3pPr marL="1200150" indent="-285750" algn="l" defTabSz="457200" rtl="0" eaLnBrk="1" latinLnBrk="0" hangingPunct="1">
+      <a:lvl3pPr marL="1143000" indent="-228600" algn="l" defTabSz="457200" rtl="0" eaLnBrk="1" latinLnBrk="0" hangingPunct="1">
         <a:spcBef>
-          <a:spcPct val="20000"/>
+          <a:spcPts val="1000"/>
         </a:spcBef>
         <a:spcAft>
-          <a:spcPts val="600"/>
+          <a:spcPts val="0"/>
         </a:spcAft>
         <a:buClr>
           <a:schemeClr val="accent1"/>
         </a:buClr>
-        <a:buSzPct val="115000"/>
-        <a:buFont typeface="Arial"/>
-        <a:buChar char="•"/>
-        <a:defRPr sz="1800" kern="1200" cap="none">
+        <a:buSzPct val="80000"/>
+        <a:buFont typeface="Wingdings 3" charset="2"/>
+        <a:buChar char=""/>
+        <a:defRPr sz="1400" kern="1200">
           <a:solidFill>
             <a:schemeClr val="tx1">
-              <a:lumMod val="85000"/>
-              <a:lumOff val="15000"/>
+              <a:lumMod val="75000"/>
+              <a:lumOff val="25000"/>
             </a:schemeClr>
           </a:solidFill>
-          <a:effectLst/>
           <a:latin typeface="+mn-lt"/>
           <a:ea typeface="+mn-ea"/>
           <a:cs typeface="+mn-cs"/>
         </a:defRPr>
       </a:lvl3pPr>
-      <a:lvl4pPr marL="1543050" indent="-171450" algn="l" defTabSz="457200" rtl="0" eaLnBrk="1" latinLnBrk="0" hangingPunct="1">
+      <a:lvl4pPr marL="1600200" indent="-228600" algn="l" defTabSz="457200" rtl="0" eaLnBrk="1" latinLnBrk="0" hangingPunct="1">
         <a:spcBef>
-          <a:spcPct val="20000"/>
+          <a:spcPts val="1000"/>
         </a:spcBef>
         <a:spcAft>
-          <a:spcPts val="600"/>
+          <a:spcPts val="0"/>
         </a:spcAft>
         <a:buClr>
           <a:schemeClr val="accent1"/>
         </a:buClr>
-        <a:buSzPct val="115000"/>
-        <a:buFont typeface="Arial"/>
-        <a:buChar char="•"/>
-        <a:defRPr sz="1600" kern="1200" cap="none">
+        <a:buSzPct val="80000"/>
+        <a:buFont typeface="Wingdings 3" charset="2"/>
+        <a:buChar char=""/>
+        <a:defRPr sz="1200" kern="1200">
           <a:solidFill>
             <a:schemeClr val="tx1">
-              <a:lumMod val="85000"/>
-              <a:lumOff val="15000"/>
+              <a:lumMod val="75000"/>
+              <a:lumOff val="25000"/>
             </a:schemeClr>
           </a:solidFill>
-          <a:effectLst/>
           <a:latin typeface="+mn-lt"/>
           <a:ea typeface="+mn-ea"/>
           <a:cs typeface="+mn-cs"/>
         </a:defRPr>
       </a:lvl4pPr>
-      <a:lvl5pPr marL="2000250" indent="-171450" algn="l" defTabSz="457200" rtl="0" eaLnBrk="1" latinLnBrk="0" hangingPunct="1">
+      <a:lvl5pPr marL="2057400" indent="-228600" algn="l" defTabSz="457200" rtl="0" eaLnBrk="1" latinLnBrk="0" hangingPunct="1">
         <a:spcBef>
-          <a:spcPct val="20000"/>
+          <a:spcPts val="1000"/>
         </a:spcBef>
         <a:spcAft>
-          <a:spcPts val="600"/>
+          <a:spcPts val="0"/>
         </a:spcAft>
         <a:buClr>
           <a:schemeClr val="accent1"/>
         </a:buClr>
-        <a:buSzPct val="115000"/>
-        <a:buFont typeface="Arial"/>
-        <a:buChar char="•"/>
-        <a:defRPr sz="1400" kern="1200" cap="none">
+        <a:buSzPct val="80000"/>
+        <a:buFont typeface="Wingdings 3" charset="2"/>
+        <a:buChar char=""/>
+        <a:defRPr sz="1200" kern="1200">
           <a:solidFill>
             <a:schemeClr val="tx1">
-              <a:lumMod val="85000"/>
-              <a:lumOff val="15000"/>
+              <a:lumMod val="75000"/>
+              <a:lumOff val="25000"/>
             </a:schemeClr>
           </a:solidFill>
-          <a:effectLst/>
           <a:latin typeface="+mn-lt"/>
           <a:ea typeface="+mn-ea"/>
           <a:cs typeface="+mn-cs"/>
@@ -5657,25 +5619,24 @@
       </a:lvl5pPr>
       <a:lvl6pPr marL="2514600" indent="-228600" algn="l" defTabSz="457200" rtl="0" eaLnBrk="1" latinLnBrk="0" hangingPunct="1">
         <a:spcBef>
-          <a:spcPct val="20000"/>
+          <a:spcPts val="1000"/>
         </a:spcBef>
         <a:spcAft>
-          <a:spcPts val="600"/>
+          <a:spcPts val="0"/>
         </a:spcAft>
         <a:buClr>
           <a:schemeClr val="accent1"/>
         </a:buClr>
-        <a:buSzPct val="115000"/>
-        <a:buFont typeface="Arial"/>
-        <a:buChar char="•"/>
-        <a:defRPr sz="1400" kern="1200" cap="none">
+        <a:buSzPct val="80000"/>
+        <a:buFont typeface="Wingdings 3" charset="2"/>
+        <a:buChar char=""/>
+        <a:defRPr sz="1200" kern="1200">
           <a:solidFill>
             <a:schemeClr val="tx1">
-              <a:lumMod val="85000"/>
-              <a:lumOff val="15000"/>
+              <a:lumMod val="75000"/>
+              <a:lumOff val="25000"/>
             </a:schemeClr>
           </a:solidFill>
-          <a:effectLst/>
           <a:latin typeface="+mn-lt"/>
           <a:ea typeface="+mn-ea"/>
           <a:cs typeface="+mn-cs"/>
@@ -5683,25 +5644,24 @@
       </a:lvl6pPr>
       <a:lvl7pPr marL="2971800" indent="-228600" algn="l" defTabSz="457200" rtl="0" eaLnBrk="1" latinLnBrk="0" hangingPunct="1">
         <a:spcBef>
-          <a:spcPct val="20000"/>
+          <a:spcPts val="1000"/>
         </a:spcBef>
         <a:spcAft>
-          <a:spcPts val="600"/>
+          <a:spcPts val="0"/>
         </a:spcAft>
         <a:buClr>
           <a:schemeClr val="accent1"/>
         </a:buClr>
-        <a:buSzPct val="115000"/>
-        <a:buFont typeface="Arial"/>
-        <a:buChar char="•"/>
-        <a:defRPr sz="1400" kern="1200" cap="none">
+        <a:buSzPct val="80000"/>
+        <a:buFont typeface="Wingdings 3" charset="2"/>
+        <a:buChar char=""/>
+        <a:defRPr sz="1200" kern="1200">
           <a:solidFill>
             <a:schemeClr val="tx1">
-              <a:lumMod val="85000"/>
-              <a:lumOff val="15000"/>
+              <a:lumMod val="75000"/>
+              <a:lumOff val="25000"/>
             </a:schemeClr>
           </a:solidFill>
-          <a:effectLst/>
           <a:latin typeface="+mn-lt"/>
           <a:ea typeface="+mn-ea"/>
           <a:cs typeface="+mn-cs"/>
@@ -5709,25 +5669,24 @@
       </a:lvl7pPr>
       <a:lvl8pPr marL="3429000" indent="-228600" algn="l" defTabSz="457200" rtl="0" eaLnBrk="1" latinLnBrk="0" hangingPunct="1">
         <a:spcBef>
-          <a:spcPct val="20000"/>
+          <a:spcPts val="1000"/>
         </a:spcBef>
         <a:spcAft>
-          <a:spcPts val="600"/>
+          <a:spcPts val="0"/>
         </a:spcAft>
         <a:buClr>
           <a:schemeClr val="accent1"/>
         </a:buClr>
-        <a:buSzPct val="115000"/>
-        <a:buFont typeface="Arial"/>
-        <a:buChar char="•"/>
-        <a:defRPr sz="1400" kern="1200" cap="none">
+        <a:buSzPct val="80000"/>
+        <a:buFont typeface="Wingdings 3" charset="2"/>
+        <a:buChar char=""/>
+        <a:defRPr sz="1200" kern="1200">
           <a:solidFill>
             <a:schemeClr val="tx1">
-              <a:lumMod val="85000"/>
-              <a:lumOff val="15000"/>
+              <a:lumMod val="75000"/>
+              <a:lumOff val="25000"/>
             </a:schemeClr>
           </a:solidFill>
-          <a:effectLst/>
           <a:latin typeface="+mn-lt"/>
           <a:ea typeface="+mn-ea"/>
           <a:cs typeface="+mn-cs"/>
@@ -5735,25 +5694,24 @@
       </a:lvl8pPr>
       <a:lvl9pPr marL="3886200" indent="-228600" algn="l" defTabSz="457200" rtl="0" eaLnBrk="1" latinLnBrk="0" hangingPunct="1">
         <a:spcBef>
-          <a:spcPct val="20000"/>
+          <a:spcPts val="1000"/>
         </a:spcBef>
         <a:spcAft>
-          <a:spcPts val="600"/>
+          <a:spcPts val="0"/>
         </a:spcAft>
         <a:buClr>
           <a:schemeClr val="accent1"/>
         </a:buClr>
-        <a:buSzPct val="115000"/>
-        <a:buFont typeface="Arial"/>
-        <a:buChar char="•"/>
-        <a:defRPr sz="1400" kern="1200" cap="none">
+        <a:buSzPct val="80000"/>
+        <a:buFont typeface="Wingdings 3" charset="2"/>
+        <a:buChar char=""/>
+        <a:defRPr sz="1200" kern="1200">
           <a:solidFill>
             <a:schemeClr val="tx1">
-              <a:lumMod val="85000"/>
-              <a:lumOff val="15000"/>
+              <a:lumMod val="75000"/>
+              <a:lumOff val="25000"/>
             </a:schemeClr>
           </a:solidFill>
-          <a:effectLst/>
           <a:latin typeface="+mn-lt"/>
           <a:ea typeface="+mn-ea"/>
           <a:cs typeface="+mn-cs"/>
@@ -5939,6 +5897,268 @@
 </p:sld>
 </file>
 
+<file path=ppt/slides/slide10.xml><?xml version="1.0" encoding="utf-8"?>
+<p:sld xmlns:a="http://schemas.openxmlformats.org/drawingml/2006/main" xmlns:p="http://schemas.openxmlformats.org/presentationml/2006/main" xmlns:r="http://schemas.openxmlformats.org/officeDocument/2006/relationships">
+  <p:cSld>
+    <p:spTree>
+      <p:nvGrpSpPr>
+        <p:cNvPr id="1" name=""/>
+        <p:cNvGrpSpPr/>
+        <p:nvPr/>
+      </p:nvGrpSpPr>
+      <p:grpSpPr/>
+      <p:sp>
+        <p:nvSpPr>
+          <p:cNvPr id="2" name="Title 1"/>
+          <p:cNvSpPr>
+            <a:spLocks noGrp="1"/>
+          </p:cNvSpPr>
+          <p:nvPr>
+            <p:ph type="title"/>
+          </p:nvPr>
+        </p:nvSpPr>
+        <p:spPr/>
+        <p:txBody>
+          <a:bodyPr/>
+          <a:lstStyle/>
+          <a:p>
+            <a:r>
+              <a:t>Slide 8: Pyramids in Popular Culture</a:t>
+            </a:r>
+          </a:p>
+        </p:txBody>
+      </p:sp>
+      <p:sp>
+        <p:nvSpPr>
+          <p:cNvPr id="3" name="Content Placeholder 2"/>
+          <p:cNvSpPr>
+            <a:spLocks noGrp="1"/>
+          </p:cNvSpPr>
+          <p:nvPr>
+            <p:ph idx="1"/>
+          </p:nvPr>
+        </p:nvSpPr>
+        <p:spPr/>
+        <p:txBody>
+          <a:bodyPr>
+            <a:normAutofit/>
+          </a:bodyPr>
+          <a:lstStyle/>
+          <a:p/>
+          <a:p>
+            <a:pPr>
+              <a:defRPr/>
+            </a:pPr>
+            <a:r>
+              <a:t>Appearances in films and literature: pyramids have been featured in many movies and books</a:t>
+            </a:r>
+          </a:p>
+          <a:p>
+            <a:pPr>
+              <a:defRPr/>
+            </a:pPr>
+            <a:r>
+              <a:t>Symbolism: pyramids are often used as symbols of ancient wisdom and power</a:t>
+            </a:r>
+          </a:p>
+          <a:p>
+            <a:pPr>
+              <a:defRPr/>
+            </a:pPr>
+            <a:r>
+              <a:t>Inspiration: pyramids have inspired many modern structures and designs</a:t>
+            </a:r>
+          </a:p>
+          <a:p>
+            <a:pPr>
+              <a:defRPr/>
+            </a:pPr>
+            <a:r>
+              <a:t>Mysteries: pyramids continue to fascinate people with their mysteries and secrets</a:t>
+            </a:r>
+          </a:p>
+        </p:txBody>
+      </p:sp>
+    </p:spTree>
+  </p:cSld>
+  <p:clrMapOvr>
+    <a:masterClrMapping/>
+  </p:clrMapOvr>
+</p:sld>
+</file>
+
+<file path=ppt/slides/slide11.xml><?xml version="1.0" encoding="utf-8"?>
+<p:sld xmlns:a="http://schemas.openxmlformats.org/drawingml/2006/main" xmlns:p="http://schemas.openxmlformats.org/presentationml/2006/main" xmlns:r="http://schemas.openxmlformats.org/officeDocument/2006/relationships">
+  <p:cSld>
+    <p:spTree>
+      <p:nvGrpSpPr>
+        <p:cNvPr id="1" name=""/>
+        <p:cNvGrpSpPr/>
+        <p:nvPr/>
+      </p:nvGrpSpPr>
+      <p:grpSpPr/>
+      <p:sp>
+        <p:nvSpPr>
+          <p:cNvPr id="2" name="Title 1"/>
+          <p:cNvSpPr>
+            <a:spLocks noGrp="1"/>
+          </p:cNvSpPr>
+          <p:nvPr>
+            <p:ph type="title"/>
+          </p:nvPr>
+        </p:nvSpPr>
+        <p:spPr/>
+        <p:txBody>
+          <a:bodyPr/>
+          <a:lstStyle/>
+          <a:p>
+            <a:r>
+              <a:t>Slide 9: Preservation and Conservation</a:t>
+            </a:r>
+          </a:p>
+        </p:txBody>
+      </p:sp>
+      <p:sp>
+        <p:nvSpPr>
+          <p:cNvPr id="3" name="Content Placeholder 2"/>
+          <p:cNvSpPr>
+            <a:spLocks noGrp="1"/>
+          </p:cNvSpPr>
+          <p:nvPr>
+            <p:ph idx="1"/>
+          </p:nvPr>
+        </p:nvSpPr>
+        <p:spPr/>
+        <p:txBody>
+          <a:bodyPr>
+            <a:normAutofit/>
+          </a:bodyPr>
+          <a:lstStyle/>
+          <a:p/>
+          <a:p>
+            <a:pPr>
+              <a:defRPr/>
+            </a:pPr>
+            <a:r>
+              <a:t>Threats: pyramids are vulnerable to damage from erosion, earthquakes, and human activities</a:t>
+            </a:r>
+          </a:p>
+          <a:p>
+            <a:pPr>
+              <a:defRPr/>
+            </a:pPr>
+            <a:r>
+              <a:t>Restoration: efforts are being made to restore and conserve pyramids around the world</a:t>
+            </a:r>
+          </a:p>
+          <a:p>
+            <a:pPr>
+              <a:defRPr/>
+            </a:pPr>
+            <a:r>
+              <a:t>Protection: laws and regulations are in place to protect pyramids from damage and looting</a:t>
+            </a:r>
+          </a:p>
+          <a:p>
+            <a:pPr>
+              <a:defRPr/>
+            </a:pPr>
+            <a:r>
+              <a:t>Education: educating the public about the importance of preserving pyramids for future generations</a:t>
+            </a:r>
+          </a:p>
+        </p:txBody>
+      </p:sp>
+    </p:spTree>
+  </p:cSld>
+  <p:clrMapOvr>
+    <a:masterClrMapping/>
+  </p:clrMapOvr>
+</p:sld>
+</file>
+
+<file path=ppt/slides/slide12.xml><?xml version="1.0" encoding="utf-8"?>
+<p:sld xmlns:a="http://schemas.openxmlformats.org/drawingml/2006/main" xmlns:p="http://schemas.openxmlformats.org/presentationml/2006/main" xmlns:r="http://schemas.openxmlformats.org/officeDocument/2006/relationships">
+  <p:cSld>
+    <p:spTree>
+      <p:nvGrpSpPr>
+        <p:cNvPr id="1" name=""/>
+        <p:cNvGrpSpPr/>
+        <p:nvPr/>
+      </p:nvGrpSpPr>
+      <p:grpSpPr/>
+      <p:sp>
+        <p:nvSpPr>
+          <p:cNvPr id="2" name="Title 1"/>
+          <p:cNvSpPr>
+            <a:spLocks noGrp="1"/>
+          </p:cNvSpPr>
+          <p:nvPr>
+            <p:ph type="title"/>
+          </p:nvPr>
+        </p:nvSpPr>
+        <p:spPr/>
+        <p:txBody>
+          <a:bodyPr/>
+          <a:lstStyle/>
+          <a:p>
+            <a:r>
+              <a:t>Slide 10: Conclusion</a:t>
+            </a:r>
+          </a:p>
+        </p:txBody>
+      </p:sp>
+      <p:sp>
+        <p:nvSpPr>
+          <p:cNvPr id="3" name="Content Placeholder 2"/>
+          <p:cNvSpPr>
+            <a:spLocks noGrp="1"/>
+          </p:cNvSpPr>
+          <p:nvPr>
+            <p:ph idx="1"/>
+          </p:nvPr>
+        </p:nvSpPr>
+        <p:spPr/>
+        <p:txBody>
+          <a:bodyPr>
+            <a:normAutofit/>
+          </a:bodyPr>
+          <a:lstStyle/>
+          <a:p/>
+          <a:p>
+            <a:pPr>
+              <a:defRPr/>
+            </a:pPr>
+            <a:r>
+              <a:t>Pyramids are ancient structures that continue to fascinate people around the world</a:t>
+            </a:r>
+          </a:p>
+          <a:p>
+            <a:pPr>
+              <a:defRPr/>
+            </a:pPr>
+            <a:r>
+              <a:t>They have been used for various purposes, including tombs, temples, and astronomical observatories</a:t>
+            </a:r>
+          </a:p>
+          <a:p>
+            <a:pPr>
+              <a:defRPr/>
+            </a:pPr>
+            <a:r>
+              <a:t>Pyramids continue to be a source of wonder and inspiration, and their preservation and conservation are essential for future generations.</a:t>
+            </a:r>
+          </a:p>
+        </p:txBody>
+      </p:sp>
+    </p:spTree>
+  </p:cSld>
+  <p:clrMapOvr>
+    <a:masterClrMapping/>
+  </p:clrMapOvr>
+</p:sld>
+</file>
+
 <file path=ppt/slides/slide2.xml><?xml version="1.0" encoding="utf-8"?>
 <p:sld xmlns:a="http://schemas.openxmlformats.org/drawingml/2006/main" xmlns:p="http://schemas.openxmlformats.org/presentationml/2006/main" xmlns:r="http://schemas.openxmlformats.org/officeDocument/2006/relationships">
   <p:cSld>
@@ -5965,7 +6185,7 @@
           <a:lstStyle/>
           <a:p>
             <a:r>
-              <a:t>Machine Learning</a:t>
+              <a:t>Pyramids</a:t>
             </a:r>
           </a:p>
         </p:txBody>
@@ -6025,7 +6245,7 @@
           <a:lstStyle/>
           <a:p>
             <a:r>
-              <a:t>Slide 1: Introduction to Machine Learning</a:t>
+              <a:t>Slide 1: Introduction to Pyramids</a:t>
             </a:r>
           </a:p>
         </p:txBody>
@@ -6042,21 +6262,33 @@
         </p:nvSpPr>
         <p:spPr/>
         <p:txBody>
-          <a:bodyPr/>
-          <a:lstStyle/>
-          <a:p>
-            <a:r>
-              <a:t>• Definition: Machine Learning (ML) is a subset of Artificial Intelligence (AI) that enables systems to learn from data and improve their performance over time.</a:t>
-            </a:r>
-          </a:p>
-          <a:p>
-            <a:r>
-              <a:t>• Applications: Image recognition, natural language processing, predictive modeling, and automation.</a:t>
-            </a:r>
-          </a:p>
-          <a:p>
-            <a:r>
-              <a:t>• Benefits: Improved accuracy, increased efficiency, and enhanced decision-making.</a:t>
+          <a:bodyPr>
+            <a:normAutofit/>
+          </a:bodyPr>
+          <a:lstStyle/>
+          <a:p/>
+          <a:p>
+            <a:pPr>
+              <a:defRPr/>
+            </a:pPr>
+            <a:r>
+              <a:t>Pyramids are ancient structures with a square base and four triangular sides that meet at the apex</a:t>
+            </a:r>
+          </a:p>
+          <a:p>
+            <a:pPr>
+              <a:defRPr/>
+            </a:pPr>
+            <a:r>
+              <a:t>They have been built in many parts of the world, with ancient civilizations in Egypt, Mexico, and South America constructing these monumental structures</a:t>
+            </a:r>
+          </a:p>
+          <a:p>
+            <a:pPr>
+              <a:defRPr/>
+            </a:pPr>
+            <a:r>
+              <a:t>Pyramids have been used for various purposes, including tombs, temples, and astronomical observatories</a:t>
             </a:r>
           </a:p>
         </p:txBody>
@@ -6095,7 +6327,7 @@
           <a:lstStyle/>
           <a:p>
             <a:r>
-              <a:t>Slide 2: Types of Machine Learning</a:t>
+              <a:t>Slide 2: History of Pyramids</a:t>
             </a:r>
           </a:p>
         </p:txBody>
@@ -6112,51 +6344,33 @@
         </p:nvSpPr>
         <p:spPr/>
         <p:txBody>
-          <a:bodyPr/>
-          <a:lstStyle/>
-          <a:p>
-            <a:r>
-              <a:t>• **Supervised Learning**</a:t>
-            </a:r>
-          </a:p>
-          <a:p>
-            <a:r>
-              <a:t>• Training data is labeled and used to learn a mapping between inputs and outputs.</a:t>
-            </a:r>
-          </a:p>
-          <a:p>
-            <a:r>
-              <a:t>• Examples: Image classification, sentiment analysis.</a:t>
-            </a:r>
-          </a:p>
-          <a:p>
-            <a:r>
-              <a:t>• **Unsupervised Learning**</a:t>
-            </a:r>
-          </a:p>
-          <a:p>
-            <a:r>
-              <a:t>• Training data is unlabeled and used to identify patterns or groupings.</a:t>
-            </a:r>
-          </a:p>
-          <a:p>
-            <a:r>
-              <a:t>• Examples: Clustering, dimensionality reduction.</a:t>
-            </a:r>
-          </a:p>
-          <a:p>
-            <a:r>
-              <a:t>• **Reinforcement Learning**</a:t>
-            </a:r>
-          </a:p>
-          <a:p>
-            <a:r>
-              <a:t>• An agent learns through trial and error by interacting with an environment.</a:t>
-            </a:r>
-          </a:p>
-          <a:p>
-            <a:r>
-              <a:t>• Examples: Game playing, robotics.</a:t>
+          <a:bodyPr>
+            <a:normAutofit/>
+          </a:bodyPr>
+          <a:lstStyle/>
+          <a:p/>
+          <a:p>
+            <a:pPr>
+              <a:defRPr/>
+            </a:pPr>
+            <a:r>
+              <a:t>The earliest known pyramids were built in ancient Mesopotamia around 4500-1900 BCE</a:t>
+            </a:r>
+          </a:p>
+          <a:p>
+            <a:pPr>
+              <a:defRPr/>
+            </a:pPr>
+            <a:r>
+              <a:t>The ancient Egyptians built over 130 pyramids between 2600-1600 BCE, with the Great Pyramid of Giza being the largest and most famous</a:t>
+            </a:r>
+          </a:p>
+          <a:p>
+            <a:pPr>
+              <a:defRPr/>
+            </a:pPr>
+            <a:r>
+              <a:t>The Mayans and Aztecs built pyramids in Mesoamerica around 2000 BCE-1500 CE</a:t>
             </a:r>
           </a:p>
         </p:txBody>
@@ -6195,7 +6409,7 @@
           <a:lstStyle/>
           <a:p>
             <a:r>
-              <a:t>Slide 3: Machine Learning Algorithms and Techniques</a:t>
+              <a:t>Slide 3: Characteristics of Pyramids</a:t>
             </a:r>
           </a:p>
         </p:txBody>
@@ -6212,26 +6426,49 @@
         </p:nvSpPr>
         <p:spPr/>
         <p:txBody>
-          <a:bodyPr/>
-          <a:lstStyle/>
-          <a:p>
-            <a:r>
-              <a:t>• **Linear Regression**: A linear model for predicting continuous outcomes.</a:t>
-            </a:r>
-          </a:p>
-          <a:p>
-            <a:r>
-              <a:t>• **Decision Trees**: A tree-based model for classifying categorical outcomes.</a:t>
-            </a:r>
-          </a:p>
-          <a:p>
-            <a:r>
-              <a:t>• **Neural Networks**: A complex model for predicting complex outcomes.</a:t>
-            </a:r>
-          </a:p>
-          <a:p>
-            <a:r>
-              <a:t>• **Ensemble Methods**: Combining multiple models to improve performance.</a:t>
+          <a:bodyPr>
+            <a:normAutofit/>
+          </a:bodyPr>
+          <a:lstStyle/>
+          <a:p/>
+          <a:p>
+            <a:pPr>
+              <a:defRPr/>
+            </a:pPr>
+            <a:r>
+              <a:t>Square base: the base of a pyramid is a square or rectangular shape</a:t>
+            </a:r>
+          </a:p>
+          <a:p>
+            <a:pPr>
+              <a:defRPr/>
+            </a:pPr>
+            <a:r>
+              <a:t>Four triangular sides: the sides of a pyramid are triangular in shape and meet at the apex</a:t>
+            </a:r>
+          </a:p>
+          <a:p>
+            <a:pPr>
+              <a:defRPr/>
+            </a:pPr>
+            <a:r>
+              <a:t>Apex: the top of a pyramid, which is often a single point or a small platform</a:t>
+            </a:r>
+          </a:p>
+          <a:p>
+            <a:pPr>
+              <a:defRPr/>
+            </a:pPr>
+            <a:r>
+              <a:t>Slope: the angle of the sides of a pyramid, which can vary depending on the design</a:t>
+            </a:r>
+          </a:p>
+          <a:p>
+            <a:pPr>
+              <a:defRPr/>
+            </a:pPr>
+            <a:r>
+              <a:t>Materials: pyramids are often built with stone, brick, or earth and other local materials</a:t>
             </a:r>
           </a:p>
         </p:txBody>
@@ -6270,7 +6507,7 @@
           <a:lstStyle/>
           <a:p>
             <a:r>
-              <a:t>Slide 4: Challenges and Future Directions</a:t>
+              <a:t>Slide 4: Types of Pyramids</a:t>
             </a:r>
           </a:p>
         </p:txBody>
@@ -6287,26 +6524,311 @@
         </p:nvSpPr>
         <p:spPr/>
         <p:txBody>
+          <a:bodyPr>
+            <a:normAutofit/>
+          </a:bodyPr>
+          <a:lstStyle/>
+          <a:p/>
+          <a:p>
+            <a:pPr>
+              <a:defRPr/>
+            </a:pPr>
+            <a:r>
+              <a:t>Step pyramids: have a series of flat steps leading up to the apex</a:t>
+            </a:r>
+          </a:p>
+          <a:p>
+            <a:pPr>
+              <a:defRPr/>
+            </a:pPr>
+            <a:r>
+              <a:t>Smooth pyramids: have a smooth surface with no visible steps</a:t>
+            </a:r>
+          </a:p>
+          <a:p>
+            <a:pPr>
+              <a:defRPr/>
+            </a:pPr>
+            <a:r>
+              <a:t>Pyramid complexes: a group of pyramids built together, often with other structures</a:t>
+            </a:r>
+          </a:p>
+          <a:p>
+            <a:pPr>
+              <a:defRPr/>
+            </a:pPr>
+            <a:r>
+              <a:t>Temple pyramids: have a temple at the base or near the apex</a:t>
+            </a:r>
+          </a:p>
+        </p:txBody>
+      </p:sp>
+    </p:spTree>
+  </p:cSld>
+  <p:clrMapOvr>
+    <a:masterClrMapping/>
+  </p:clrMapOvr>
+</p:sld>
+</file>
+
+<file path=ppt/slides/slide7.xml><?xml version="1.0" encoding="utf-8"?>
+<p:sld xmlns:a="http://schemas.openxmlformats.org/drawingml/2006/main" xmlns:p="http://schemas.openxmlformats.org/presentationml/2006/main" xmlns:r="http://schemas.openxmlformats.org/officeDocument/2006/relationships">
+  <p:cSld>
+    <p:spTree>
+      <p:nvGrpSpPr>
+        <p:cNvPr id="1" name=""/>
+        <p:cNvGrpSpPr/>
+        <p:nvPr/>
+      </p:nvGrpSpPr>
+      <p:grpSpPr/>
+      <p:sp>
+        <p:nvSpPr>
+          <p:cNvPr id="2" name="Title 1"/>
+          <p:cNvSpPr>
+            <a:spLocks noGrp="1"/>
+          </p:cNvSpPr>
+          <p:nvPr>
+            <p:ph type="title"/>
+          </p:nvPr>
+        </p:nvSpPr>
+        <p:spPr/>
+        <p:txBody>
           <a:bodyPr/>
           <a:lstStyle/>
           <a:p>
             <a:r>
-              <a:t>• **Data Quality and Availability**: High-quality data is essential for effective ML.</a:t>
-            </a:r>
-          </a:p>
-          <a:p>
-            <a:r>
-              <a:t>• **Interpretability and Explainability**: Understanding why ML models make predictions is crucial.</a:t>
-            </a:r>
-          </a:p>
-          <a:p>
-            <a:r>
-              <a:t>• **Ethics and Bias**: Ensuring fairness and transparency in ML systems is essential.</a:t>
-            </a:r>
-          </a:p>
-          <a:p>
-            <a:r>
-              <a:t>• **Emerging Trends**: Edge AI, Transfer Learning, and Explainable AI.</a:t>
+              <a:t>Slide 5: Pyramid Construction</a:t>
+            </a:r>
+          </a:p>
+        </p:txBody>
+      </p:sp>
+      <p:sp>
+        <p:nvSpPr>
+          <p:cNvPr id="3" name="Content Placeholder 2"/>
+          <p:cNvSpPr>
+            <a:spLocks noGrp="1"/>
+          </p:cNvSpPr>
+          <p:nvPr>
+            <p:ph idx="1"/>
+          </p:nvPr>
+        </p:nvSpPr>
+        <p:spPr/>
+        <p:txBody>
+          <a:bodyPr>
+            <a:normAutofit/>
+          </a:bodyPr>
+          <a:lstStyle/>
+          <a:p/>
+          <a:p>
+            <a:pPr>
+              <a:defRPr/>
+            </a:pPr>
+            <a:r>
+              <a:t>Planning: selecting the site and designing the pyramid</a:t>
+            </a:r>
+          </a:p>
+          <a:p>
+            <a:pPr>
+              <a:defRPr/>
+            </a:pPr>
+            <a:r>
+              <a:t>Excavation: digging the foundation and removing soil and rock</a:t>
+            </a:r>
+          </a:p>
+          <a:p>
+            <a:pPr>
+              <a:defRPr/>
+            </a:pPr>
+            <a:r>
+              <a:t>Construction: building the pyramid using local materials</a:t>
+            </a:r>
+          </a:p>
+          <a:p>
+            <a:pPr>
+              <a:defRPr/>
+            </a:pPr>
+            <a:r>
+              <a:t>Finishing: adding a smooth surface and any decorative features</a:t>
+            </a:r>
+          </a:p>
+        </p:txBody>
+      </p:sp>
+    </p:spTree>
+  </p:cSld>
+  <p:clrMapOvr>
+    <a:masterClrMapping/>
+  </p:clrMapOvr>
+</p:sld>
+</file>
+
+<file path=ppt/slides/slide8.xml><?xml version="1.0" encoding="utf-8"?>
+<p:sld xmlns:a="http://schemas.openxmlformats.org/drawingml/2006/main" xmlns:p="http://schemas.openxmlformats.org/presentationml/2006/main" xmlns:r="http://schemas.openxmlformats.org/officeDocument/2006/relationships">
+  <p:cSld>
+    <p:spTree>
+      <p:nvGrpSpPr>
+        <p:cNvPr id="1" name=""/>
+        <p:cNvGrpSpPr/>
+        <p:nvPr/>
+      </p:nvGrpSpPr>
+      <p:grpSpPr/>
+      <p:sp>
+        <p:nvSpPr>
+          <p:cNvPr id="2" name="Title 1"/>
+          <p:cNvSpPr>
+            <a:spLocks noGrp="1"/>
+          </p:cNvSpPr>
+          <p:nvPr>
+            <p:ph type="title"/>
+          </p:nvPr>
+        </p:nvSpPr>
+        <p:spPr/>
+        <p:txBody>
+          <a:bodyPr/>
+          <a:lstStyle/>
+          <a:p>
+            <a:r>
+              <a:t>Slide 6: Purpose of Pyramids</a:t>
+            </a:r>
+          </a:p>
+        </p:txBody>
+      </p:sp>
+      <p:sp>
+        <p:nvSpPr>
+          <p:cNvPr id="3" name="Content Placeholder 2"/>
+          <p:cNvSpPr>
+            <a:spLocks noGrp="1"/>
+          </p:cNvSpPr>
+          <p:nvPr>
+            <p:ph idx="1"/>
+          </p:nvPr>
+        </p:nvSpPr>
+        <p:spPr/>
+        <p:txBody>
+          <a:bodyPr>
+            <a:normAutofit/>
+          </a:bodyPr>
+          <a:lstStyle/>
+          <a:p/>
+          <a:p>
+            <a:pPr>
+              <a:defRPr/>
+            </a:pPr>
+            <a:r>
+              <a:t>Tombs: many pyramids were built as tombs for pharaohs or other important individuals</a:t>
+            </a:r>
+          </a:p>
+          <a:p>
+            <a:pPr>
+              <a:defRPr/>
+            </a:pPr>
+            <a:r>
+              <a:t>Temples: pyramids were used as temples for worship and sacrifice</a:t>
+            </a:r>
+          </a:p>
+          <a:p>
+            <a:pPr>
+              <a:defRPr/>
+            </a:pPr>
+            <a:r>
+              <a:t>Astronomical observatories: some pyramids were built to observe the movements of the stars and planets</a:t>
+            </a:r>
+          </a:p>
+          <a:p>
+            <a:pPr>
+              <a:defRPr/>
+            </a:pPr>
+            <a:r>
+              <a:t>Symbol of power: pyramids were often used to demonstrate the power and wealth of the ruling class</a:t>
+            </a:r>
+          </a:p>
+        </p:txBody>
+      </p:sp>
+    </p:spTree>
+  </p:cSld>
+  <p:clrMapOvr>
+    <a:masterClrMapping/>
+  </p:clrMapOvr>
+</p:sld>
+</file>
+
+<file path=ppt/slides/slide9.xml><?xml version="1.0" encoding="utf-8"?>
+<p:sld xmlns:a="http://schemas.openxmlformats.org/drawingml/2006/main" xmlns:p="http://schemas.openxmlformats.org/presentationml/2006/main" xmlns:r="http://schemas.openxmlformats.org/officeDocument/2006/relationships">
+  <p:cSld>
+    <p:spTree>
+      <p:nvGrpSpPr>
+        <p:cNvPr id="1" name=""/>
+        <p:cNvGrpSpPr/>
+        <p:nvPr/>
+      </p:nvGrpSpPr>
+      <p:grpSpPr/>
+      <p:sp>
+        <p:nvSpPr>
+          <p:cNvPr id="2" name="Title 1"/>
+          <p:cNvSpPr>
+            <a:spLocks noGrp="1"/>
+          </p:cNvSpPr>
+          <p:nvPr>
+            <p:ph type="title"/>
+          </p:nvPr>
+        </p:nvSpPr>
+        <p:spPr/>
+        <p:txBody>
+          <a:bodyPr/>
+          <a:lstStyle/>
+          <a:p>
+            <a:r>
+              <a:t>Slide 7: Famous Pyramids</a:t>
+            </a:r>
+          </a:p>
+        </p:txBody>
+      </p:sp>
+      <p:sp>
+        <p:nvSpPr>
+          <p:cNvPr id="3" name="Content Placeholder 2"/>
+          <p:cNvSpPr>
+            <a:spLocks noGrp="1"/>
+          </p:cNvSpPr>
+          <p:nvPr>
+            <p:ph idx="1"/>
+          </p:nvPr>
+        </p:nvSpPr>
+        <p:spPr/>
+        <p:txBody>
+          <a:bodyPr>
+            <a:normAutofit/>
+          </a:bodyPr>
+          <a:lstStyle/>
+          <a:p/>
+          <a:p>
+            <a:pPr>
+              <a:defRPr/>
+            </a:pPr>
+            <a:r>
+              <a:t>Great Pyramid of Giza: the largest and most famous pyramid in the world</a:t>
+            </a:r>
+          </a:p>
+          <a:p>
+            <a:pPr>
+              <a:defRPr/>
+            </a:pPr>
+            <a:r>
+              <a:t>Pyramid of the Sun: a large pyramid in Teotihuacan, Mexico</a:t>
+            </a:r>
+          </a:p>
+          <a:p>
+            <a:pPr>
+              <a:defRPr/>
+            </a:pPr>
+            <a:r>
+              <a:t>Pyramid of the Moon: a smaller pyramid in Teotihuacan, Mexico</a:t>
+            </a:r>
+          </a:p>
+          <a:p>
+            <a:pPr>
+              <a:defRPr/>
+            </a:pPr>
+            <a:r>
+              <a:t>Great Pyramid of Cholula: a large pyramid in Puebla, Mexico</a:t>
             </a:r>
           </a:p>
         </p:txBody>
@@ -6320,9 +6842,9 @@
 </file>
 
 <file path=ppt/theme/theme1.xml><?xml version="1.0" encoding="utf-8"?>
-<a:theme xmlns:a="http://schemas.openxmlformats.org/drawingml/2006/main" name="Organic">
+<a:theme xmlns:a="http://schemas.openxmlformats.org/drawingml/2006/main" name="Facet">
   <a:themeElements>
-    <a:clrScheme name="Organic">
+    <a:clrScheme name="Facet">
       <a:dk1>
         <a:sysClr val="windowText" lastClr="000000"/>
       </a:dk1>
@@ -6330,48 +6852,83 @@
         <a:sysClr val="window" lastClr="FFFFFF"/>
       </a:lt1>
       <a:dk2>
-        <a:srgbClr val="212121"/>
+        <a:srgbClr val="2C3C43"/>
       </a:dk2>
       <a:lt2>
-        <a:srgbClr val="DADADA"/>
+        <a:srgbClr val="EBEBEB"/>
       </a:lt2>
       <a:accent1>
-        <a:srgbClr val="83992A"/>
+        <a:srgbClr val="90C226"/>
       </a:accent1>
       <a:accent2>
-        <a:srgbClr val="3C9770"/>
+        <a:srgbClr val="54A021"/>
       </a:accent2>
       <a:accent3>
-        <a:srgbClr val="44709D"/>
+        <a:srgbClr val="E6B91E"/>
       </a:accent3>
       <a:accent4>
-        <a:srgbClr val="A23C33"/>
+        <a:srgbClr val="E76618"/>
       </a:accent4>
       <a:accent5>
-        <a:srgbClr val="D97828"/>
+        <a:srgbClr val="C42F1A"/>
       </a:accent5>
       <a:accent6>
-        <a:srgbClr val="DEB340"/>
+        <a:srgbClr val="918655"/>
       </a:accent6>
       <a:hlink>
-        <a:srgbClr val="A8BF4D"/>
+        <a:srgbClr val="99CA3C"/>
       </a:hlink>
       <a:folHlink>
-        <a:srgbClr val="B4CA80"/>
+        <a:srgbClr val="B9D181"/>
       </a:folHlink>
     </a:clrScheme>
-    <a:fontScheme name="Organic">
+    <a:fontScheme name="Facet">
       <a:majorFont>
-        <a:latin typeface="Garamond" panose="02020404030301010803"/>
+        <a:latin typeface="Trebuchet MS" panose="020B0603020202020204"/>
         <a:ea typeface=""/>
         <a:cs typeface=""/>
-        <a:font script="Jpan" typeface="ＭＳ Ｐゴシック"/>
-        <a:font script="Hang" typeface="돋움"/>
-        <a:font script="Hans" typeface="方正舒体"/>
+        <a:font script="Jpan" typeface="メイリオ"/>
+        <a:font script="Hang" typeface="맑은 고딕"/>
+        <a:font script="Hans" typeface="方正姚体"/>
         <a:font script="Hant" typeface="微軟正黑體"/>
-        <a:font script="Arab" typeface="Arial"/>
+        <a:font script="Arab" typeface="Tahoma"/>
         <a:font script="Hebr" typeface="Arial"/>
         <a:font script="Thai" typeface="Cordia New"/>
+        <a:font script="Ethi" typeface="Nyala"/>
+        <a:font script="Beng" typeface="Vrinda"/>
+        <a:font script="Gujr" typeface="Shruti"/>
+        <a:font script="Khmr" typeface="DaunPenh"/>
+        <a:font script="Knda" typeface="Tunga"/>
+        <a:font script="Guru" typeface="Raavi"/>
+        <a:font script="Cans" typeface="Euphemia"/>
+        <a:font script="Cher" typeface="Plantagenet Cherokee"/>
+        <a:font script="Yiii" typeface="Microsoft Yi Baiti"/>
+        <a:font script="Tibt" typeface="Microsoft Himalaya"/>
+        <a:font script="Thaa" typeface="MV Boli"/>
+        <a:font script="Deva" typeface="Mangal"/>
+        <a:font script="Telu" typeface="Gautami"/>
+        <a:font script="Taml" typeface="Latha"/>
+        <a:font script="Syrc" typeface="Estrangelo Edessa"/>
+        <a:font script="Orya" typeface="Kalinga"/>
+        <a:font script="Mlym" typeface="Kartika"/>
+        <a:font script="Laoo" typeface="DokChampa"/>
+        <a:font script="Sinh" typeface="Iskoola Pota"/>
+        <a:font script="Mong" typeface="Mongolian Baiti"/>
+        <a:font script="Viet" typeface="Tahoma"/>
+        <a:font script="Uigh" typeface="Microsoft Uighur"/>
+        <a:font script="Geor" typeface="Sylfaen"/>
+      </a:majorFont>
+      <a:minorFont>
+        <a:latin typeface="Trebuchet MS" panose="020B0603020202020204"/>
+        <a:ea typeface=""/>
+        <a:cs typeface=""/>
+        <a:font script="Jpan" typeface="メイリオ"/>
+        <a:font script="Hang" typeface="HY그래픽M"/>
+        <a:font script="Hans" typeface="华文新魏"/>
+        <a:font script="Hant" typeface="微軟正黑體"/>
+        <a:font script="Arab" typeface="Tahoma"/>
+        <a:font script="Hebr" typeface="Gisha"/>
+        <a:font script="Thai" typeface="IrisUPC"/>
         <a:font script="Ethi" typeface="Nyala"/>
         <a:font script="Beng" typeface="Vrinda"/>
         <a:font script="Gujr" typeface="Shruti"/>
@@ -6395,44 +6952,9 @@
         <a:font script="Viet" typeface="Arial"/>
         <a:font script="Uigh" typeface="Microsoft Uighur"/>
         <a:font script="Geor" typeface="Sylfaen"/>
-      </a:majorFont>
-      <a:minorFont>
-        <a:latin typeface="Garamond" panose="02020404030301010803"/>
-        <a:ea typeface=""/>
-        <a:cs typeface=""/>
-        <a:font script="Jpan" typeface="ＭＳ Ｐ明朝"/>
-        <a:font script="Hang" typeface="바탕"/>
-        <a:font script="Hans" typeface="方正舒体"/>
-        <a:font script="Hant" typeface="新細明體"/>
-        <a:font script="Arab" typeface="Times New Roman"/>
-        <a:font script="Hebr" typeface="Times New Roman"/>
-        <a:font script="Thai" typeface="Angsana New"/>
-        <a:font script="Ethi" typeface="Nyala"/>
-        <a:font script="Beng" typeface="Vrinda"/>
-        <a:font script="Gujr" typeface="Shruti"/>
-        <a:font script="Khmr" typeface="MoolBoran"/>
-        <a:font script="Knda" typeface="Tunga"/>
-        <a:font script="Guru" typeface="Raavi"/>
-        <a:font script="Cans" typeface="Euphemia"/>
-        <a:font script="Cher" typeface="Plantagenet Cherokee"/>
-        <a:font script="Yiii" typeface="Microsoft Yi Baiti"/>
-        <a:font script="Tibt" typeface="Microsoft Himalaya"/>
-        <a:font script="Thaa" typeface="MV Boli"/>
-        <a:font script="Deva" typeface="Mangal"/>
-        <a:font script="Telu" typeface="Gautami"/>
-        <a:font script="Taml" typeface="Latha"/>
-        <a:font script="Syrc" typeface="Estrangelo Edessa"/>
-        <a:font script="Orya" typeface="Kalinga"/>
-        <a:font script="Mlym" typeface="Kartika"/>
-        <a:font script="Laoo" typeface="DokChampa"/>
-        <a:font script="Sinh" typeface="Iskoola Pota"/>
-        <a:font script="Mong" typeface="Mongolian Baiti"/>
-        <a:font script="Viet" typeface="Times New Roman"/>
-        <a:font script="Uigh" typeface="Microsoft Uighur"/>
-        <a:font script="Geor" typeface="Sylfaen"/>
       </a:minorFont>
     </a:fontScheme>
-    <a:fmtScheme name="Organic">
+    <a:fmtScheme name="Facet">
       <a:fillStyleLst>
         <a:solidFill>
           <a:schemeClr val="phClr"/>
@@ -6441,50 +6963,50 @@
           <a:gsLst>
             <a:gs pos="0">
               <a:schemeClr val="phClr">
-                <a:tint val="60000"/>
+                <a:tint val="65000"/>
                 <a:lumMod val="110000"/>
               </a:schemeClr>
             </a:gs>
-            <a:gs pos="100000">
+            <a:gs pos="88000">
               <a:schemeClr val="phClr">
-                <a:tint val="82000"/>
+                <a:tint val="90000"/>
               </a:schemeClr>
             </a:gs>
           </a:gsLst>
           <a:lin ang="5400000" scaled="0"/>
         </a:gradFill>
-        <a:blipFill>
-          <a:blip xmlns:r="http://schemas.openxmlformats.org/officeDocument/2006/relationships" r:embed="rId1">
-            <a:duotone>
+        <a:gradFill rotWithShape="1">
+          <a:gsLst>
+            <a:gs pos="0">
               <a:schemeClr val="phClr">
-                <a:shade val="74000"/>
-                <a:satMod val="130000"/>
-                <a:lumMod val="90000"/>
+                <a:tint val="96000"/>
+                <a:lumMod val="100000"/>
               </a:schemeClr>
+            </a:gs>
+            <a:gs pos="78000">
               <a:schemeClr val="phClr">
-                <a:tint val="94000"/>
-                <a:satMod val="120000"/>
-                <a:lumMod val="104000"/>
+                <a:shade val="94000"/>
+                <a:lumMod val="94000"/>
               </a:schemeClr>
-            </a:duotone>
-          </a:blip>
-          <a:tile tx="0" ty="0" sx="100000" sy="100000" flip="none" algn="tl"/>
-        </a:blipFill>
+            </a:gs>
+          </a:gsLst>
+          <a:lin ang="5400000" scaled="0"/>
+        </a:gradFill>
       </a:fillStyleLst>
       <a:lnStyleLst>
-        <a:ln w="9525" cap="flat" cmpd="sng" algn="ctr">
+        <a:ln w="12700" cap="rnd" cmpd="sng" algn="ctr">
           <a:solidFill>
             <a:schemeClr val="phClr"/>
           </a:solidFill>
           <a:prstDash val="solid"/>
         </a:ln>
-        <a:ln w="15875" cap="flat" cmpd="sng" algn="ctr">
+        <a:ln w="19050" cap="rnd" cmpd="sng" algn="ctr">
           <a:solidFill>
             <a:schemeClr val="phClr"/>
           </a:solidFill>
           <a:prstDash val="solid"/>
         </a:ln>
-        <a:ln w="25400" cap="flat" cmpd="sng" algn="ctr">
+        <a:ln w="25400" cap="rnd" cmpd="sng" algn="ctr">
           <a:solidFill>
             <a:schemeClr val="phClr"/>
           </a:solidFill>
@@ -6497,21 +7019,30 @@
         </a:effectStyle>
         <a:effectStyle>
           <a:effectLst>
-            <a:innerShdw blurRad="25400" dist="12700" dir="13500000">
+            <a:outerShdw blurRad="38100" dist="25400" dir="5400000" rotWithShape="0">
               <a:srgbClr val="000000">
-                <a:alpha val="45000"/>
+                <a:alpha val="35000"/>
               </a:srgbClr>
-            </a:innerShdw>
+            </a:outerShdw>
           </a:effectLst>
         </a:effectStyle>
         <a:effectStyle>
           <a:effectLst>
-            <a:outerShdw blurRad="38100" dist="25400" dir="5400000" rotWithShape="0">
+            <a:outerShdw blurRad="50800" dist="38100" dir="5400000" rotWithShape="0">
               <a:srgbClr val="000000">
-                <a:alpha val="60000"/>
+                <a:alpha val="35000"/>
               </a:srgbClr>
             </a:outerShdw>
           </a:effectLst>
+          <a:scene3d>
+            <a:camera prst="orthographicFront">
+              <a:rot lat="0" lon="0" rev="0"/>
+            </a:camera>
+            <a:lightRig rig="threePt" dir="tl"/>
+          </a:scene3d>
+          <a:sp3d prstMaterial="plastic">
+            <a:bevelT w="0" h="0"/>
+          </a:sp3d>
         </a:effectStyle>
       </a:effectStyleLst>
       <a:bgFillStyleLst>
@@ -6523,22 +7054,37 @@
             <a:gs pos="0">
               <a:schemeClr val="phClr">
                 <a:tint val="90000"/>
+                <a:lumMod val="104000"/>
+              </a:schemeClr>
+            </a:gs>
+            <a:gs pos="94000">
+              <a:schemeClr val="phClr">
+                <a:shade val="96000"/>
+                <a:lumMod val="82000"/>
+              </a:schemeClr>
+            </a:gs>
+          </a:gsLst>
+          <a:lin ang="5400000" scaled="0"/>
+        </a:gradFill>
+        <a:gradFill rotWithShape="1">
+          <a:gsLst>
+            <a:gs pos="0">
+              <a:schemeClr val="phClr">
+                <a:tint val="90000"/>
                 <a:lumMod val="110000"/>
               </a:schemeClr>
             </a:gs>
             <a:gs pos="100000">
               <a:schemeClr val="phClr">
-                <a:shade val="88000"/>
-                <a:lumMod val="98000"/>
+                <a:shade val="94000"/>
+                <a:lumMod val="96000"/>
               </a:schemeClr>
             </a:gs>
           </a:gsLst>
-          <a:lin ang="5400000" scaled="0"/>
+          <a:path path="circle">
+            <a:fillToRect l="50000" t="50000" r="100000" b="100000"/>
+          </a:path>
         </a:gradFill>
-        <a:blipFill>
-          <a:blip xmlns:r="http://schemas.openxmlformats.org/officeDocument/2006/relationships" r:embed="rId2"/>
-          <a:stretch/>
-        </a:blipFill>
       </a:bgFillStyleLst>
     </a:fmtScheme>
   </a:themeElements>
@@ -6546,7 +7092,7 @@
   <a:extraClrSchemeLst/>
   <a:extLst>
     <a:ext uri="{05A4C25C-085E-4340-85A3-A5531E510DB2}">
-      <thm15:themeFamily xmlns:thm15="http://schemas.microsoft.com/office/thememl/2012/main" name="Organic" id="{28CDC826-8792-45C0-861B-85EB3ADEDA33}" vid="{7DAC20F1-423D-49E2-BD0B-50532748BAD0}"/>
+      <thm15:themeFamily xmlns:thm15="http://schemas.microsoft.com/office/thememl/2012/main" name="Facet" id="{C0C680CD-088A-49FC-A102-D699147F32B2}" vid="{CFBC31BA-B70F-4F30-BCAA-4F3011E16C4D}"/>
     </a:ext>
   </a:extLst>
 </a:theme>
